--- a/p04/A-frame-moving-geometric-objects.pptx
+++ b/p04/A-frame-moving-geometric-objects.pptx
@@ -4344,7 +4344,7 @@
                   <a:srgbClr val="FF0000"/>
                 </a:solidFill>
               </a:rPr>
-              <a:t>0 2 -2</a:t>
+              <a:t>0 0 -2</a:t>
             </a:r>
             <a:r>
               <a:rPr lang="en-US" dirty="0">
@@ -8434,7 +8434,7 @@
                   <a:srgbClr val="0070C0"/>
                 </a:solidFill>
               </a:rPr>
-              <a:t>'property: rotation; </a:t>
+              <a:t>“property: rotation; </a:t>
             </a:r>
           </a:p>
           <a:p>
@@ -8528,7 +8528,7 @@
                   <a:srgbClr val="0070C0"/>
                 </a:solidFill>
               </a:rPr>
-              <a:t>			loop: true;'</a:t>
+              <a:t>			loop: true;”</a:t>
             </a:r>
           </a:p>
           <a:p>

--- a/p04/A-frame-moving-geometric-objects.pptx
+++ b/p04/A-frame-moving-geometric-objects.pptx
@@ -5,23 +5,25 @@
     <p:sldMasterId id="2147483660" r:id="rId1"/>
   </p:sldMasterIdLst>
   <p:notesMasterIdLst>
-    <p:notesMasterId r:id="rId16"/>
+    <p:notesMasterId r:id="rId18"/>
   </p:notesMasterIdLst>
   <p:sldIdLst>
     <p:sldId id="256" r:id="rId2"/>
-    <p:sldId id="258" r:id="rId3"/>
-    <p:sldId id="259" r:id="rId4"/>
-    <p:sldId id="277" r:id="rId5"/>
-    <p:sldId id="290" r:id="rId6"/>
-    <p:sldId id="272" r:id="rId7"/>
-    <p:sldId id="291" r:id="rId8"/>
-    <p:sldId id="292" r:id="rId9"/>
-    <p:sldId id="285" r:id="rId10"/>
-    <p:sldId id="286" r:id="rId11"/>
-    <p:sldId id="295" r:id="rId12"/>
-    <p:sldId id="288" r:id="rId13"/>
-    <p:sldId id="287" r:id="rId14"/>
-    <p:sldId id="284" r:id="rId15"/>
+    <p:sldId id="297" r:id="rId3"/>
+    <p:sldId id="258" r:id="rId4"/>
+    <p:sldId id="259" r:id="rId5"/>
+    <p:sldId id="277" r:id="rId6"/>
+    <p:sldId id="290" r:id="rId7"/>
+    <p:sldId id="272" r:id="rId8"/>
+    <p:sldId id="291" r:id="rId9"/>
+    <p:sldId id="292" r:id="rId10"/>
+    <p:sldId id="285" r:id="rId11"/>
+    <p:sldId id="286" r:id="rId12"/>
+    <p:sldId id="295" r:id="rId13"/>
+    <p:sldId id="288" r:id="rId14"/>
+    <p:sldId id="287" r:id="rId15"/>
+    <p:sldId id="284" r:id="rId16"/>
+    <p:sldId id="293" r:id="rId17"/>
   </p:sldIdLst>
   <p:sldSz cx="12192000" cy="6858000"/>
   <p:notesSz cx="7019925" cy="9305925"/>
@@ -218,7 +220,7 @@
           <a:p>
             <a:fld id="{FA1E3CD0-6E24-4AC0-945A-82AEC1490673}" type="datetimeFigureOut">
               <a:rPr lang="en-US" smtClean="0"/>
-              <a:t>5/31/2024</a:t>
+              <a:t>6/19/2024</a:t>
             </a:fld>
             <a:endParaRPr lang="en-US"/>
           </a:p>
@@ -550,7 +552,7 @@
           <a:p>
             <a:fld id="{C168DB89-C76A-451A-996D-4E290BC9251E}" type="slidenum">
               <a:rPr lang="en-US" smtClean="0"/>
-              <a:t>5</a:t>
+              <a:t>6</a:t>
             </a:fld>
             <a:endParaRPr lang="en-US"/>
           </a:p>
@@ -700,7 +702,7 @@
           <a:p>
             <a:fld id="{846CE7D5-CF57-46EF-B807-FDD0502418D4}" type="datetimeFigureOut">
               <a:rPr lang="en-US" smtClean="0"/>
-              <a:t>5/31/2024</a:t>
+              <a:t>6/19/2024</a:t>
             </a:fld>
             <a:endParaRPr lang="en-US"/>
           </a:p>
@@ -870,7 +872,7 @@
           <a:p>
             <a:fld id="{846CE7D5-CF57-46EF-B807-FDD0502418D4}" type="datetimeFigureOut">
               <a:rPr lang="en-US" smtClean="0"/>
-              <a:t>5/31/2024</a:t>
+              <a:t>6/19/2024</a:t>
             </a:fld>
             <a:endParaRPr lang="en-US"/>
           </a:p>
@@ -1050,7 +1052,7 @@
           <a:p>
             <a:fld id="{846CE7D5-CF57-46EF-B807-FDD0502418D4}" type="datetimeFigureOut">
               <a:rPr lang="en-US" smtClean="0"/>
-              <a:t>5/31/2024</a:t>
+              <a:t>6/19/2024</a:t>
             </a:fld>
             <a:endParaRPr lang="en-US"/>
           </a:p>
@@ -1220,7 +1222,7 @@
           <a:p>
             <a:fld id="{846CE7D5-CF57-46EF-B807-FDD0502418D4}" type="datetimeFigureOut">
               <a:rPr lang="en-US" smtClean="0"/>
-              <a:t>5/31/2024</a:t>
+              <a:t>6/19/2024</a:t>
             </a:fld>
             <a:endParaRPr lang="en-US"/>
           </a:p>
@@ -1466,7 +1468,7 @@
           <a:p>
             <a:fld id="{846CE7D5-CF57-46EF-B807-FDD0502418D4}" type="datetimeFigureOut">
               <a:rPr lang="en-US" smtClean="0"/>
-              <a:t>5/31/2024</a:t>
+              <a:t>6/19/2024</a:t>
             </a:fld>
             <a:endParaRPr lang="en-US"/>
           </a:p>
@@ -1698,7 +1700,7 @@
           <a:p>
             <a:fld id="{846CE7D5-CF57-46EF-B807-FDD0502418D4}" type="datetimeFigureOut">
               <a:rPr lang="en-US" smtClean="0"/>
-              <a:t>5/31/2024</a:t>
+              <a:t>6/19/2024</a:t>
             </a:fld>
             <a:endParaRPr lang="en-US"/>
           </a:p>
@@ -2065,7 +2067,7 @@
           <a:p>
             <a:fld id="{846CE7D5-CF57-46EF-B807-FDD0502418D4}" type="datetimeFigureOut">
               <a:rPr lang="en-US" smtClean="0"/>
-              <a:t>5/31/2024</a:t>
+              <a:t>6/19/2024</a:t>
             </a:fld>
             <a:endParaRPr lang="en-US"/>
           </a:p>
@@ -2183,7 +2185,7 @@
           <a:p>
             <a:fld id="{846CE7D5-CF57-46EF-B807-FDD0502418D4}" type="datetimeFigureOut">
               <a:rPr lang="en-US" smtClean="0"/>
-              <a:t>5/31/2024</a:t>
+              <a:t>6/19/2024</a:t>
             </a:fld>
             <a:endParaRPr lang="en-US"/>
           </a:p>
@@ -2278,7 +2280,7 @@
           <a:p>
             <a:fld id="{846CE7D5-CF57-46EF-B807-FDD0502418D4}" type="datetimeFigureOut">
               <a:rPr lang="en-US" smtClean="0"/>
-              <a:t>5/31/2024</a:t>
+              <a:t>6/19/2024</a:t>
             </a:fld>
             <a:endParaRPr lang="en-US"/>
           </a:p>
@@ -2555,7 +2557,7 @@
           <a:p>
             <a:fld id="{846CE7D5-CF57-46EF-B807-FDD0502418D4}" type="datetimeFigureOut">
               <a:rPr lang="en-US" smtClean="0"/>
-              <a:t>5/31/2024</a:t>
+              <a:t>6/19/2024</a:t>
             </a:fld>
             <a:endParaRPr lang="en-US"/>
           </a:p>
@@ -2812,7 +2814,7 @@
           <a:p>
             <a:fld id="{846CE7D5-CF57-46EF-B807-FDD0502418D4}" type="datetimeFigureOut">
               <a:rPr lang="en-US" smtClean="0"/>
-              <a:t>5/31/2024</a:t>
+              <a:t>6/19/2024</a:t>
             </a:fld>
             <a:endParaRPr lang="en-US"/>
           </a:p>
@@ -3025,7 +3027,7 @@
           <a:p>
             <a:fld id="{846CE7D5-CF57-46EF-B807-FDD0502418D4}" type="datetimeFigureOut">
               <a:rPr lang="en-US" smtClean="0"/>
-              <a:t>5/31/2024</a:t>
+              <a:t>6/19/2024</a:t>
             </a:fld>
             <a:endParaRPr lang="en-US"/>
           </a:p>
@@ -3474,27 +3476,19 @@
               <a:t>A-Frame </a:t>
             </a:r>
             <a:br>
-              <a:rPr lang="en-US" b="1">
+              <a:rPr lang="en-US" b="1" dirty="0">
                 <a:latin typeface="Calibri"/>
                 <a:ea typeface="Calibri"/>
                 <a:cs typeface="Calibri"/>
               </a:rPr>
             </a:br>
             <a:r>
-              <a:rPr lang="en-US" b="1">
-                <a:latin typeface="Calibri"/>
-                <a:ea typeface="Calibri"/>
-                <a:cs typeface="Calibri"/>
-              </a:rPr>
-              <a:t>moving geometric </a:t>
-            </a:r>
-            <a:r>
               <a:rPr lang="en-US" b="1" dirty="0">
                 <a:latin typeface="Calibri"/>
                 <a:ea typeface="Calibri"/>
                 <a:cs typeface="Calibri"/>
               </a:rPr>
-              <a:t>objects</a:t>
+              <a:t>moving geometric objects</a:t>
             </a:r>
             <a:endParaRPr lang="en-US" dirty="0">
               <a:ea typeface="Calibri Light"/>
@@ -3612,15 +3606,7 @@
           <a:p>
             <a:r>
               <a:rPr lang="en-US" dirty="0"/>
-              <a:t>Basic animation – </a:t>
-            </a:r>
-            <a:r>
-              <a:rPr lang="en-US" dirty="0">
-                <a:solidFill>
-                  <a:srgbClr val="FF0000"/>
-                </a:solidFill>
-              </a:rPr>
-              <a:t>rotation in place</a:t>
+              <a:t>Basic animation</a:t>
             </a:r>
           </a:p>
         </p:txBody>
@@ -3670,15 +3656,7 @@
                   <a:srgbClr val="0070C0"/>
                 </a:solidFill>
               </a:rPr>
-              <a:t>'property: rotation;   </a:t>
-            </a:r>
-            <a:r>
-              <a:rPr lang="en-US" dirty="0">
-                <a:solidFill>
-                  <a:srgbClr val="FF0000"/>
-                </a:solidFill>
-              </a:rPr>
-              <a:t>position = translations</a:t>
+              <a:t>“property: rotation; </a:t>
             </a:r>
           </a:p>
           <a:p>
@@ -3691,15 +3669,7 @@
                   <a:srgbClr val="0070C0"/>
                 </a:solidFill>
               </a:rPr>
-              <a:t>			dur: 10000;    </a:t>
-            </a:r>
-            <a:r>
-              <a:rPr lang="en-US" dirty="0">
-                <a:solidFill>
-                  <a:srgbClr val="FF0000"/>
-                </a:solidFill>
-              </a:rPr>
-              <a:t>entire transform in 10,000 milliseconds </a:t>
+              <a:t>			dur: 10000; </a:t>
             </a:r>
           </a:p>
           <a:p>
@@ -3754,7 +3724,7 @@
                   <a:srgbClr val="0070C0"/>
                 </a:solidFill>
               </a:rPr>
-              <a:t>: normal;    </a:t>
+              <a:t>: normal; </a:t>
             </a:r>
           </a:p>
           <a:p>
@@ -3780,7 +3750,7 @@
                   <a:srgbClr val="0070C0"/>
                 </a:solidFill>
               </a:rPr>
-              <a:t>			loop: true;'</a:t>
+              <a:t>			loop: true;”</a:t>
             </a:r>
           </a:p>
           <a:p>
@@ -3797,7 +3767,7 @@
     </p:spTree>
     <p:extLst>
       <p:ext uri="{BB962C8B-B14F-4D97-AF65-F5344CB8AC3E}">
-        <p14:creationId xmlns:p14="http://schemas.microsoft.com/office/powerpoint/2010/main" val="3890012711"/>
+        <p14:creationId xmlns:p14="http://schemas.microsoft.com/office/powerpoint/2010/main" val="4149205924"/>
       </p:ext>
     </p:extLst>
   </p:cSld>
@@ -3829,7 +3799,7 @@
           <p:cNvPr id="2" name="Title 1">
             <a:extLst>
               <a:ext uri="{FF2B5EF4-FFF2-40B4-BE49-F238E27FC236}">
-                <a16:creationId xmlns:a16="http://schemas.microsoft.com/office/drawing/2014/main" id="{9E641B35-771B-8ADD-F244-DFCE655EFEBA}"/>
+                <a16:creationId xmlns:a16="http://schemas.microsoft.com/office/drawing/2014/main" id="{BF683C0E-F1D1-D452-BFA8-E610F142133D}"/>
               </a:ext>
             </a:extLst>
           </p:cNvPr>
@@ -3847,7 +3817,15 @@
           <a:p>
             <a:r>
               <a:rPr lang="en-US" dirty="0"/>
-              <a:t>How to create orbits?</a:t>
+              <a:t>Basic animation – </a:t>
+            </a:r>
+            <a:r>
+              <a:rPr lang="en-US" dirty="0">
+                <a:solidFill>
+                  <a:srgbClr val="FF0000"/>
+                </a:solidFill>
+              </a:rPr>
+              <a:t>rotation in place</a:t>
             </a:r>
           </a:p>
         </p:txBody>
@@ -3857,7 +3835,7 @@
           <p:cNvPr id="3" name="Content Placeholder 2">
             <a:extLst>
               <a:ext uri="{FF2B5EF4-FFF2-40B4-BE49-F238E27FC236}">
-                <a16:creationId xmlns:a16="http://schemas.microsoft.com/office/drawing/2014/main" id="{323656BC-447B-286E-FB03-A06C20F852E0}"/>
+                <a16:creationId xmlns:a16="http://schemas.microsoft.com/office/drawing/2014/main" id="{46C64423-B4D1-72CD-ECD8-65DCC4821DFC}"/>
               </a:ext>
             </a:extLst>
           </p:cNvPr>
@@ -3870,42 +3848,43 @@
         </p:nvSpPr>
         <p:spPr/>
         <p:txBody>
-          <a:bodyPr/>
+          <a:bodyPr>
+            <a:normAutofit fontScale="92500" lnSpcReduction="10000"/>
+          </a:bodyPr>
           <a:lstStyle/>
           <a:p>
             <a:pPr marL="0" indent="0">
               <a:buNone/>
             </a:pPr>
-            <a:endParaRPr lang="en-US" dirty="0">
-              <a:solidFill>
-                <a:srgbClr val="0070C0"/>
-              </a:solidFill>
-            </a:endParaRPr>
+            <a:r>
+              <a:rPr lang="en-US" dirty="0"/>
+              <a:t>&lt;a-box  id="PGB box" position="0 2 -2.5" rotation="45 45 45" 		color="green"</a:t>
+            </a:r>
           </a:p>
           <a:p>
             <a:pPr marL="0" indent="0">
               <a:buNone/>
             </a:pPr>
+            <a:r>
+              <a:rPr lang="en-US" dirty="0"/>
+              <a:t>	animation=   </a:t>
+            </a:r>
             <a:r>
               <a:rPr lang="en-US" dirty="0">
                 <a:solidFill>
                   <a:srgbClr val="0070C0"/>
                 </a:solidFill>
               </a:rPr>
-              <a:t>a-sphere-mars-spin-narrow.html</a:t>
-            </a:r>
-          </a:p>
-          <a:p>
-            <a:pPr marL="0" indent="0">
-              <a:buNone/>
-            </a:pPr>
-            <a:endParaRPr lang="en-US" dirty="0"/>
-          </a:p>
-          <a:p>
-            <a:pPr marL="0" indent="0">
-              <a:buNone/>
-            </a:pPr>
-            <a:endParaRPr lang="en-US" dirty="0"/>
+              <a:t>'property: rotation;   </a:t>
+            </a:r>
+            <a:r>
+              <a:rPr lang="en-US" dirty="0">
+                <a:solidFill>
+                  <a:srgbClr val="FF0000"/>
+                </a:solidFill>
+              </a:rPr>
+              <a:t>position = translations</a:t>
+            </a:r>
           </a:p>
           <a:p>
             <a:pPr marL="0" indent="0">
@@ -3917,27 +3896,113 @@
                   <a:srgbClr val="0070C0"/>
                 </a:solidFill>
               </a:rPr>
-              <a:t>a-sphere-mars-spin-wide.html</a:t>
+              <a:t>			dur: 10000;    </a:t>
+            </a:r>
+            <a:r>
+              <a:rPr lang="en-US" dirty="0">
+                <a:solidFill>
+                  <a:srgbClr val="FF0000"/>
+                </a:solidFill>
+              </a:rPr>
+              <a:t>entire transform in 10,000 milliseconds </a:t>
             </a:r>
           </a:p>
           <a:p>
             <a:pPr marL="0" indent="0">
               <a:buNone/>
             </a:pPr>
-            <a:endParaRPr lang="en-US" dirty="0"/>
+            <a:r>
+              <a:rPr lang="en-US" dirty="0">
+                <a:solidFill>
+                  <a:srgbClr val="0070C0"/>
+                </a:solidFill>
+              </a:rPr>
+              <a:t>			from: 0 0 0; </a:t>
+            </a:r>
           </a:p>
           <a:p>
             <a:pPr marL="0" indent="0">
               <a:buNone/>
             </a:pPr>
-            <a:endParaRPr lang="en-US" dirty="0"/>
+            <a:r>
+              <a:rPr lang="en-US" dirty="0">
+                <a:solidFill>
+                  <a:srgbClr val="0070C0"/>
+                </a:solidFill>
+              </a:rPr>
+              <a:t>			to: 0 360 0; </a:t>
+            </a:r>
+          </a:p>
+          <a:p>
+            <a:pPr marL="0" indent="0">
+              <a:buNone/>
+            </a:pPr>
+            <a:r>
+              <a:rPr lang="en-US" dirty="0">
+                <a:solidFill>
+                  <a:srgbClr val="0070C0"/>
+                </a:solidFill>
+              </a:rPr>
+              <a:t>			</a:t>
+            </a:r>
+            <a:r>
+              <a:rPr lang="en-US" dirty="0" err="1">
+                <a:solidFill>
+                  <a:srgbClr val="0070C0"/>
+                </a:solidFill>
+              </a:rPr>
+              <a:t>dir</a:t>
+            </a:r>
+            <a:r>
+              <a:rPr lang="en-US" dirty="0">
+                <a:solidFill>
+                  <a:srgbClr val="0070C0"/>
+                </a:solidFill>
+              </a:rPr>
+              <a:t>: normal;    </a:t>
+            </a:r>
+          </a:p>
+          <a:p>
+            <a:pPr marL="0" indent="0">
+              <a:buNone/>
+            </a:pPr>
+            <a:r>
+              <a:rPr lang="en-US" dirty="0">
+                <a:solidFill>
+                  <a:srgbClr val="0070C0"/>
+                </a:solidFill>
+              </a:rPr>
+              <a:t>			easing: linear; </a:t>
+            </a:r>
+          </a:p>
+          <a:p>
+            <a:pPr marL="0" indent="0">
+              <a:buNone/>
+            </a:pPr>
+            <a:r>
+              <a:rPr lang="en-US" dirty="0">
+                <a:solidFill>
+                  <a:srgbClr val="0070C0"/>
+                </a:solidFill>
+              </a:rPr>
+              <a:t>			loop: true;'</a:t>
+            </a:r>
+          </a:p>
+          <a:p>
+            <a:pPr marL="0" indent="0">
+              <a:buNone/>
+            </a:pPr>
+            <a:r>
+              <a:rPr lang="en-US" dirty="0"/>
+              <a:t>	  &gt;&lt;/a-box&gt;</a:t>
+            </a:r>
           </a:p>
         </p:txBody>
       </p:sp>
     </p:spTree>
     <p:extLst>
       <p:ext uri="{BB962C8B-B14F-4D97-AF65-F5344CB8AC3E}">
-        <p14:creationId xmlns:p14="http://schemas.microsoft.com/office/powerpoint/2010/main" val="3045575239"/>
+        <p14:creationId xmlns:p14="http://schemas.microsoft.com/office/powerpoint/2010/main" val="3890012711"/>
       </p:ext>
     </p:extLst>
   </p:cSld>
@@ -3969,6 +4034,146 @@
           <p:cNvPr id="2" name="Title 1">
             <a:extLst>
               <a:ext uri="{FF2B5EF4-FFF2-40B4-BE49-F238E27FC236}">
+                <a16:creationId xmlns:a16="http://schemas.microsoft.com/office/drawing/2014/main" id="{9E641B35-771B-8ADD-F244-DFCE655EFEBA}"/>
+              </a:ext>
+            </a:extLst>
+          </p:cNvPr>
+          <p:cNvSpPr>
+            <a:spLocks noGrp="1"/>
+          </p:cNvSpPr>
+          <p:nvPr>
+            <p:ph type="title"/>
+          </p:nvPr>
+        </p:nvSpPr>
+        <p:spPr/>
+        <p:txBody>
+          <a:bodyPr/>
+          <a:lstStyle/>
+          <a:p>
+            <a:r>
+              <a:rPr lang="en-US" dirty="0"/>
+              <a:t>How to create orbits?</a:t>
+            </a:r>
+          </a:p>
+        </p:txBody>
+      </p:sp>
+      <p:sp>
+        <p:nvSpPr>
+          <p:cNvPr id="3" name="Content Placeholder 2">
+            <a:extLst>
+              <a:ext uri="{FF2B5EF4-FFF2-40B4-BE49-F238E27FC236}">
+                <a16:creationId xmlns:a16="http://schemas.microsoft.com/office/drawing/2014/main" id="{323656BC-447B-286E-FB03-A06C20F852E0}"/>
+              </a:ext>
+            </a:extLst>
+          </p:cNvPr>
+          <p:cNvSpPr>
+            <a:spLocks noGrp="1"/>
+          </p:cNvSpPr>
+          <p:nvPr>
+            <p:ph idx="1"/>
+          </p:nvPr>
+        </p:nvSpPr>
+        <p:spPr/>
+        <p:txBody>
+          <a:bodyPr/>
+          <a:lstStyle/>
+          <a:p>
+            <a:pPr marL="0" indent="0">
+              <a:buNone/>
+            </a:pPr>
+            <a:endParaRPr lang="en-US" dirty="0">
+              <a:solidFill>
+                <a:srgbClr val="0070C0"/>
+              </a:solidFill>
+            </a:endParaRPr>
+          </a:p>
+          <a:p>
+            <a:pPr marL="0" indent="0">
+              <a:buNone/>
+            </a:pPr>
+            <a:r>
+              <a:rPr lang="en-US" dirty="0">
+                <a:solidFill>
+                  <a:srgbClr val="0070C0"/>
+                </a:solidFill>
+              </a:rPr>
+              <a:t>a-sphere-mars-spin-narrow.html</a:t>
+            </a:r>
+          </a:p>
+          <a:p>
+            <a:pPr marL="0" indent="0">
+              <a:buNone/>
+            </a:pPr>
+            <a:endParaRPr lang="en-US" dirty="0"/>
+          </a:p>
+          <a:p>
+            <a:pPr marL="0" indent="0">
+              <a:buNone/>
+            </a:pPr>
+            <a:endParaRPr lang="en-US" dirty="0"/>
+          </a:p>
+          <a:p>
+            <a:pPr marL="0" indent="0">
+              <a:buNone/>
+            </a:pPr>
+            <a:r>
+              <a:rPr lang="en-US" dirty="0">
+                <a:solidFill>
+                  <a:srgbClr val="0070C0"/>
+                </a:solidFill>
+              </a:rPr>
+              <a:t>a-sphere-mars-spin-wide.html</a:t>
+            </a:r>
+          </a:p>
+          <a:p>
+            <a:pPr marL="0" indent="0">
+              <a:buNone/>
+            </a:pPr>
+            <a:endParaRPr lang="en-US" dirty="0"/>
+          </a:p>
+          <a:p>
+            <a:pPr marL="0" indent="0">
+              <a:buNone/>
+            </a:pPr>
+            <a:endParaRPr lang="en-US" dirty="0"/>
+          </a:p>
+        </p:txBody>
+      </p:sp>
+    </p:spTree>
+    <p:extLst>
+      <p:ext uri="{BB962C8B-B14F-4D97-AF65-F5344CB8AC3E}">
+        <p14:creationId xmlns:p14="http://schemas.microsoft.com/office/powerpoint/2010/main" val="3045575239"/>
+      </p:ext>
+    </p:extLst>
+  </p:cSld>
+  <p:clrMapOvr>
+    <a:masterClrMapping/>
+  </p:clrMapOvr>
+</p:sld>
+</file>
+
+<file path=ppt/slides/slide13.xml><?xml version="1.0" encoding="utf-8"?>
+<p:sld xmlns:a="http://schemas.openxmlformats.org/drawingml/2006/main" xmlns:r="http://schemas.openxmlformats.org/officeDocument/2006/relationships" xmlns:p="http://schemas.openxmlformats.org/presentationml/2006/main">
+  <p:cSld>
+    <p:spTree>
+      <p:nvGrpSpPr>
+        <p:cNvPr id="1" name=""/>
+        <p:cNvGrpSpPr/>
+        <p:nvPr/>
+      </p:nvGrpSpPr>
+      <p:grpSpPr>
+        <a:xfrm>
+          <a:off x="0" y="0"/>
+          <a:ext cx="0" cy="0"/>
+          <a:chOff x="0" y="0"/>
+          <a:chExt cx="0" cy="0"/>
+        </a:xfrm>
+      </p:grpSpPr>
+      <p:sp>
+        <p:nvSpPr>
+          <p:cNvPr id="2" name="Title 1">
+            <a:extLst>
+              <a:ext uri="{FF2B5EF4-FFF2-40B4-BE49-F238E27FC236}">
                 <a16:creationId xmlns:a16="http://schemas.microsoft.com/office/drawing/2014/main" id="{24E52D3D-C042-F227-F593-6828804FD0A2}"/>
               </a:ext>
             </a:extLst>
@@ -4410,7 +4615,7 @@
 </p:sld>
 </file>
 
-<file path=ppt/slides/slide13.xml><?xml version="1.0" encoding="utf-8"?>
+<file path=ppt/slides/slide14.xml><?xml version="1.0" encoding="utf-8"?>
 <p:sld xmlns:a="http://schemas.openxmlformats.org/drawingml/2006/main" xmlns:r="http://schemas.openxmlformats.org/officeDocument/2006/relationships" xmlns:p="http://schemas.openxmlformats.org/presentationml/2006/main">
   <p:cSld>
     <p:spTree>
@@ -4568,7 +4773,7 @@
 </p:sld>
 </file>
 
-<file path=ppt/slides/slide14.xml><?xml version="1.0" encoding="utf-8"?>
+<file path=ppt/slides/slide15.xml><?xml version="1.0" encoding="utf-8"?>
 <p:sld xmlns:a="http://schemas.openxmlformats.org/drawingml/2006/main" xmlns:r="http://schemas.openxmlformats.org/officeDocument/2006/relationships" xmlns:p="http://schemas.openxmlformats.org/presentationml/2006/main">
   <p:cSld>
     <p:spTree>
@@ -4835,7 +5040,1363 @@
 </p:sld>
 </file>
 
+<file path=ppt/slides/slide16.xml><?xml version="1.0" encoding="utf-8"?>
+<p:sld xmlns:a="http://schemas.openxmlformats.org/drawingml/2006/main" xmlns:r="http://schemas.openxmlformats.org/officeDocument/2006/relationships" xmlns:p="http://schemas.openxmlformats.org/presentationml/2006/main">
+  <p:cSld>
+    <p:spTree>
+      <p:nvGrpSpPr>
+        <p:cNvPr id="1" name=""/>
+        <p:cNvGrpSpPr/>
+        <p:nvPr/>
+      </p:nvGrpSpPr>
+      <p:grpSpPr>
+        <a:xfrm>
+          <a:off x="0" y="0"/>
+          <a:ext cx="0" cy="0"/>
+          <a:chOff x="0" y="0"/>
+          <a:chExt cx="0" cy="0"/>
+        </a:xfrm>
+      </p:grpSpPr>
+      <p:pic>
+        <p:nvPicPr>
+          <p:cNvPr id="2" name="Picture 1">
+            <a:extLst>
+              <a:ext uri="{FF2B5EF4-FFF2-40B4-BE49-F238E27FC236}">
+                <a16:creationId xmlns:a16="http://schemas.microsoft.com/office/drawing/2014/main" id="{CCC53F79-2BE7-9D02-E76B-9170C74561D1}"/>
+              </a:ext>
+            </a:extLst>
+          </p:cNvPr>
+          <p:cNvPicPr>
+            <a:picLocks noChangeAspect="1"/>
+          </p:cNvPicPr>
+          <p:nvPr/>
+        </p:nvPicPr>
+        <p:blipFill rotWithShape="1">
+          <a:blip r:embed="rId2"/>
+          <a:srcRect t="20475" r="-1" b="-1"/>
+          <a:stretch/>
+        </p:blipFill>
+        <p:spPr>
+          <a:xfrm>
+            <a:off x="1524" y="10"/>
+            <a:ext cx="12188952" cy="6857990"/>
+          </a:xfrm>
+          <a:prstGeom prst="rect">
+            <a:avLst/>
+          </a:prstGeom>
+        </p:spPr>
+      </p:pic>
+    </p:spTree>
+    <p:extLst>
+      <p:ext uri="{BB962C8B-B14F-4D97-AF65-F5344CB8AC3E}">
+        <p14:creationId xmlns:p14="http://schemas.microsoft.com/office/powerpoint/2010/main" val="1758179659"/>
+      </p:ext>
+    </p:extLst>
+  </p:cSld>
+  <p:clrMapOvr>
+    <a:masterClrMapping/>
+  </p:clrMapOvr>
+</p:sld>
+</file>
+
 <file path=ppt/slides/slide2.xml><?xml version="1.0" encoding="utf-8"?>
+<p:sld xmlns:a="http://schemas.openxmlformats.org/drawingml/2006/main" xmlns:r="http://schemas.openxmlformats.org/officeDocument/2006/relationships" xmlns:p="http://schemas.openxmlformats.org/presentationml/2006/main">
+  <p:cSld>
+    <p:bg>
+      <p:bgPr>
+        <a:solidFill>
+          <a:schemeClr val="bg1"/>
+        </a:solidFill>
+        <a:effectLst/>
+      </p:bgPr>
+    </p:bg>
+    <p:spTree>
+      <p:nvGrpSpPr>
+        <p:cNvPr id="1" name=""/>
+        <p:cNvGrpSpPr/>
+        <p:nvPr/>
+      </p:nvGrpSpPr>
+      <p:grpSpPr>
+        <a:xfrm>
+          <a:off x="0" y="0"/>
+          <a:ext cx="0" cy="0"/>
+          <a:chOff x="0" y="0"/>
+          <a:chExt cx="0" cy="0"/>
+        </a:xfrm>
+      </p:grpSpPr>
+      <p:sp useBgFill="1">
+        <p:nvSpPr>
+          <p:cNvPr id="42" name="Rectangle 41">
+            <a:extLst>
+              <a:ext uri="{FF2B5EF4-FFF2-40B4-BE49-F238E27FC236}">
+                <a16:creationId xmlns:a16="http://schemas.microsoft.com/office/drawing/2014/main" id="{F3E416D2-D994-4F7A-8F62-B28B11BEBA65}"/>
+              </a:ext>
+              <a:ext uri="{C183D7F6-B498-43B3-948B-1728B52AA6E4}">
+                <adec:decorative xmlns:adec="http://schemas.microsoft.com/office/drawing/2017/decorative" val="1"/>
+              </a:ext>
+            </a:extLst>
+          </p:cNvPr>
+          <p:cNvSpPr>
+            <a:spLocks noGrp="1" noRot="1" noChangeAspect="1" noMove="1" noResize="1" noEditPoints="1" noAdjustHandles="1" noChangeArrowheads="1" noChangeShapeType="1" noTextEdit="1"/>
+          </p:cNvSpPr>
+          <p:nvPr>
+            <p:extLst>
+              <p:ext uri="{386F3935-93C4-4BCD-93E2-E3B085C9AB24}">
+                <p16:designElem xmlns:p16="http://schemas.microsoft.com/office/powerpoint/2015/main" val="1"/>
+              </p:ext>
+            </p:extLst>
+          </p:nvPr>
+        </p:nvSpPr>
+        <p:spPr>
+          <a:xfrm>
+            <a:off x="305" y="0"/>
+            <a:ext cx="12191695" cy="6858000"/>
+          </a:xfrm>
+          <a:prstGeom prst="rect">
+            <a:avLst/>
+          </a:prstGeom>
+          <a:ln>
+            <a:noFill/>
+          </a:ln>
+        </p:spPr>
+        <p:style>
+          <a:lnRef idx="2">
+            <a:schemeClr val="accent1">
+              <a:shade val="50000"/>
+            </a:schemeClr>
+          </a:lnRef>
+          <a:fillRef idx="1">
+            <a:schemeClr val="accent1"/>
+          </a:fillRef>
+          <a:effectRef idx="0">
+            <a:schemeClr val="accent1"/>
+          </a:effectRef>
+          <a:fontRef idx="minor">
+            <a:schemeClr val="lt1"/>
+          </a:fontRef>
+        </p:style>
+        <p:txBody>
+          <a:bodyPr rtlCol="0" anchor="ctr"/>
+          <a:lstStyle/>
+          <a:p>
+            <a:pPr marL="0" marR="0" lvl="0" indent="0" algn="ctr" defTabSz="457200" rtl="0" eaLnBrk="1" fontAlgn="auto" latinLnBrk="0" hangingPunct="1">
+              <a:lnSpc>
+                <a:spcPct val="100000"/>
+              </a:lnSpc>
+              <a:spcBef>
+                <a:spcPts val="0"/>
+              </a:spcBef>
+              <a:spcAft>
+                <a:spcPts val="0"/>
+              </a:spcAft>
+              <a:buClrTx/>
+              <a:buSzTx/>
+              <a:buFontTx/>
+              <a:buNone/>
+              <a:tabLst/>
+              <a:defRPr/>
+            </a:pPr>
+            <a:endParaRPr kumimoji="0" lang="en-US" sz="1800" b="0" i="0" u="none" strike="noStrike" kern="1200" cap="none" spc="0" normalizeH="0" baseline="0" noProof="0">
+              <a:ln>
+                <a:noFill/>
+              </a:ln>
+              <a:solidFill>
+                <a:prstClr val="white"/>
+              </a:solidFill>
+              <a:effectLst/>
+              <a:uLnTx/>
+              <a:uFillTx/>
+              <a:latin typeface="Meiryo"/>
+              <a:ea typeface="+mn-ea"/>
+              <a:cs typeface="+mn-cs"/>
+            </a:endParaRPr>
+          </a:p>
+        </p:txBody>
+      </p:sp>
+      <p:pic>
+        <p:nvPicPr>
+          <p:cNvPr id="38" name="Picture 37" descr="A colorful squares and lines&#10;&#10;Description automatically generated">
+            <a:extLst>
+              <a:ext uri="{FF2B5EF4-FFF2-40B4-BE49-F238E27FC236}">
+                <a16:creationId xmlns:a16="http://schemas.microsoft.com/office/drawing/2014/main" id="{F19E26CD-2E53-0914-FE6B-3EE538E80FA9}"/>
+              </a:ext>
+            </a:extLst>
+          </p:cNvPr>
+          <p:cNvPicPr>
+            <a:picLocks noChangeAspect="1"/>
+          </p:cNvPicPr>
+          <p:nvPr/>
+        </p:nvPicPr>
+        <p:blipFill rotWithShape="1">
+          <a:blip r:embed="rId2"/>
+          <a:srcRect t="20475" r="-1" b="-1"/>
+          <a:stretch/>
+        </p:blipFill>
+        <p:spPr>
+          <a:xfrm>
+            <a:off x="1524" y="10"/>
+            <a:ext cx="12188952" cy="6857990"/>
+          </a:xfrm>
+          <a:prstGeom prst="rect">
+            <a:avLst/>
+          </a:prstGeom>
+        </p:spPr>
+      </p:pic>
+      <p:sp>
+        <p:nvSpPr>
+          <p:cNvPr id="47" name="Freeform: Shape 46">
+            <a:extLst>
+              <a:ext uri="{FF2B5EF4-FFF2-40B4-BE49-F238E27FC236}">
+                <a16:creationId xmlns:a16="http://schemas.microsoft.com/office/drawing/2014/main" id="{FB27C166-470E-467E-9E9E-E235EEF3C01B}"/>
+              </a:ext>
+              <a:ext uri="{C183D7F6-B498-43B3-948B-1728B52AA6E4}">
+                <adec:decorative xmlns:adec="http://schemas.microsoft.com/office/drawing/2017/decorative" val="1"/>
+              </a:ext>
+            </a:extLst>
+          </p:cNvPr>
+          <p:cNvSpPr>
+            <a:spLocks noGrp="1" noRot="1" noChangeAspect="1" noMove="1" noResize="1" noEditPoints="1" noAdjustHandles="1" noChangeArrowheads="1" noChangeShapeType="1" noTextEdit="1"/>
+          </p:cNvSpPr>
+          <p:nvPr>
+            <p:extLst>
+              <p:ext uri="{386F3935-93C4-4BCD-93E2-E3B085C9AB24}">
+                <p16:designElem xmlns:p16="http://schemas.microsoft.com/office/powerpoint/2015/main" val="1"/>
+              </p:ext>
+            </p:extLst>
+          </p:nvPr>
+        </p:nvSpPr>
+        <p:spPr>
+          <a:xfrm flipH="1">
+            <a:off x="4824691" y="0"/>
+            <a:ext cx="7365784" cy="6858000"/>
+          </a:xfrm>
+          <a:custGeom>
+            <a:avLst/>
+            <a:gdLst>
+              <a:gd name="connsiteX0" fmla="*/ 5742761 w 7365784"/>
+              <a:gd name="connsiteY0" fmla="*/ 0 h 6858000"/>
+              <a:gd name="connsiteX1" fmla="*/ 3076369 w 7365784"/>
+              <a:gd name="connsiteY1" fmla="*/ 0 h 6858000"/>
+              <a:gd name="connsiteX2" fmla="*/ 1949196 w 7365784"/>
+              <a:gd name="connsiteY2" fmla="*/ 0 h 6858000"/>
+              <a:gd name="connsiteX3" fmla="*/ 1583228 w 7365784"/>
+              <a:gd name="connsiteY3" fmla="*/ 0 h 6858000"/>
+              <a:gd name="connsiteX4" fmla="*/ 1457787 w 7365784"/>
+              <a:gd name="connsiteY4" fmla="*/ 0 h 6858000"/>
+              <a:gd name="connsiteX5" fmla="*/ 1445578 w 7365784"/>
+              <a:gd name="connsiteY5" fmla="*/ 0 h 6858000"/>
+              <a:gd name="connsiteX6" fmla="*/ 571708 w 7365784"/>
+              <a:gd name="connsiteY6" fmla="*/ 0 h 6858000"/>
+              <a:gd name="connsiteX7" fmla="*/ 237757 w 7365784"/>
+              <a:gd name="connsiteY7" fmla="*/ 0 h 6858000"/>
+              <a:gd name="connsiteX8" fmla="*/ 205161 w 7365784"/>
+              <a:gd name="connsiteY8" fmla="*/ 0 h 6858000"/>
+              <a:gd name="connsiteX9" fmla="*/ 0 w 7365784"/>
+              <a:gd name="connsiteY9" fmla="*/ 0 h 6858000"/>
+              <a:gd name="connsiteX10" fmla="*/ 0 w 7365784"/>
+              <a:gd name="connsiteY10" fmla="*/ 6858000 h 6858000"/>
+              <a:gd name="connsiteX11" fmla="*/ 205161 w 7365784"/>
+              <a:gd name="connsiteY11" fmla="*/ 6858000 h 6858000"/>
+              <a:gd name="connsiteX12" fmla="*/ 237757 w 7365784"/>
+              <a:gd name="connsiteY12" fmla="*/ 6858000 h 6858000"/>
+              <a:gd name="connsiteX13" fmla="*/ 571708 w 7365784"/>
+              <a:gd name="connsiteY13" fmla="*/ 6858000 h 6858000"/>
+              <a:gd name="connsiteX14" fmla="*/ 1274834 w 7365784"/>
+              <a:gd name="connsiteY14" fmla="*/ 6858000 h 6858000"/>
+              <a:gd name="connsiteX15" fmla="*/ 1445578 w 7365784"/>
+              <a:gd name="connsiteY15" fmla="*/ 6858000 h 6858000"/>
+              <a:gd name="connsiteX16" fmla="*/ 1457787 w 7365784"/>
+              <a:gd name="connsiteY16" fmla="*/ 6858000 h 6858000"/>
+              <a:gd name="connsiteX17" fmla="*/ 1949196 w 7365784"/>
+              <a:gd name="connsiteY17" fmla="*/ 6858000 h 6858000"/>
+              <a:gd name="connsiteX18" fmla="*/ 3076369 w 7365784"/>
+              <a:gd name="connsiteY18" fmla="*/ 6858000 h 6858000"/>
+              <a:gd name="connsiteX19" fmla="*/ 4863030 w 7365784"/>
+              <a:gd name="connsiteY19" fmla="*/ 6858000 h 6858000"/>
+              <a:gd name="connsiteX20" fmla="*/ 4974786 w 7365784"/>
+              <a:gd name="connsiteY20" fmla="*/ 6780599 h 6858000"/>
+              <a:gd name="connsiteX21" fmla="*/ 5491434 w 7365784"/>
+              <a:gd name="connsiteY21" fmla="*/ 6374814 h 6858000"/>
+              <a:gd name="connsiteX22" fmla="*/ 7365784 w 7365784"/>
+              <a:gd name="connsiteY22" fmla="*/ 3621656 h 6858000"/>
+              <a:gd name="connsiteX23" fmla="*/ 5764885 w 7365784"/>
+              <a:gd name="connsiteY23" fmla="*/ 14997 h 6858000"/>
+            </a:gdLst>
+            <a:ahLst/>
+            <a:cxnLst>
+              <a:cxn ang="0">
+                <a:pos x="connsiteX0" y="connsiteY0"/>
+              </a:cxn>
+              <a:cxn ang="0">
+                <a:pos x="connsiteX1" y="connsiteY1"/>
+              </a:cxn>
+              <a:cxn ang="0">
+                <a:pos x="connsiteX2" y="connsiteY2"/>
+              </a:cxn>
+              <a:cxn ang="0">
+                <a:pos x="connsiteX3" y="connsiteY3"/>
+              </a:cxn>
+              <a:cxn ang="0">
+                <a:pos x="connsiteX4" y="connsiteY4"/>
+              </a:cxn>
+              <a:cxn ang="0">
+                <a:pos x="connsiteX5" y="connsiteY5"/>
+              </a:cxn>
+              <a:cxn ang="0">
+                <a:pos x="connsiteX6" y="connsiteY6"/>
+              </a:cxn>
+              <a:cxn ang="0">
+                <a:pos x="connsiteX7" y="connsiteY7"/>
+              </a:cxn>
+              <a:cxn ang="0">
+                <a:pos x="connsiteX8" y="connsiteY8"/>
+              </a:cxn>
+              <a:cxn ang="0">
+                <a:pos x="connsiteX9" y="connsiteY9"/>
+              </a:cxn>
+              <a:cxn ang="0">
+                <a:pos x="connsiteX10" y="connsiteY10"/>
+              </a:cxn>
+              <a:cxn ang="0">
+                <a:pos x="connsiteX11" y="connsiteY11"/>
+              </a:cxn>
+              <a:cxn ang="0">
+                <a:pos x="connsiteX12" y="connsiteY12"/>
+              </a:cxn>
+              <a:cxn ang="0">
+                <a:pos x="connsiteX13" y="connsiteY13"/>
+              </a:cxn>
+              <a:cxn ang="0">
+                <a:pos x="connsiteX14" y="connsiteY14"/>
+              </a:cxn>
+              <a:cxn ang="0">
+                <a:pos x="connsiteX15" y="connsiteY15"/>
+              </a:cxn>
+              <a:cxn ang="0">
+                <a:pos x="connsiteX16" y="connsiteY16"/>
+              </a:cxn>
+              <a:cxn ang="0">
+                <a:pos x="connsiteX17" y="connsiteY17"/>
+              </a:cxn>
+              <a:cxn ang="0">
+                <a:pos x="connsiteX18" y="connsiteY18"/>
+              </a:cxn>
+              <a:cxn ang="0">
+                <a:pos x="connsiteX19" y="connsiteY19"/>
+              </a:cxn>
+              <a:cxn ang="0">
+                <a:pos x="connsiteX20" y="connsiteY20"/>
+              </a:cxn>
+              <a:cxn ang="0">
+                <a:pos x="connsiteX21" y="connsiteY21"/>
+              </a:cxn>
+              <a:cxn ang="0">
+                <a:pos x="connsiteX22" y="connsiteY22"/>
+              </a:cxn>
+              <a:cxn ang="0">
+                <a:pos x="connsiteX23" y="connsiteY23"/>
+              </a:cxn>
+            </a:cxnLst>
+            <a:rect l="l" t="t" r="r" b="b"/>
+            <a:pathLst>
+              <a:path w="7365784" h="6858000">
+                <a:moveTo>
+                  <a:pt x="5742761" y="0"/>
+                </a:moveTo>
+                <a:lnTo>
+                  <a:pt x="3076369" y="0"/>
+                </a:lnTo>
+                <a:lnTo>
+                  <a:pt x="1949196" y="0"/>
+                </a:lnTo>
+                <a:lnTo>
+                  <a:pt x="1583228" y="0"/>
+                </a:lnTo>
+                <a:lnTo>
+                  <a:pt x="1457787" y="0"/>
+                </a:lnTo>
+                <a:lnTo>
+                  <a:pt x="1445578" y="0"/>
+                </a:lnTo>
+                <a:lnTo>
+                  <a:pt x="571708" y="0"/>
+                </a:lnTo>
+                <a:lnTo>
+                  <a:pt x="237757" y="0"/>
+                </a:lnTo>
+                <a:lnTo>
+                  <a:pt x="205161" y="0"/>
+                </a:lnTo>
+                <a:lnTo>
+                  <a:pt x="0" y="0"/>
+                </a:lnTo>
+                <a:lnTo>
+                  <a:pt x="0" y="6858000"/>
+                </a:lnTo>
+                <a:lnTo>
+                  <a:pt x="205161" y="6858000"/>
+                </a:lnTo>
+                <a:lnTo>
+                  <a:pt x="237757" y="6858000"/>
+                </a:lnTo>
+                <a:lnTo>
+                  <a:pt x="571708" y="6858000"/>
+                </a:lnTo>
+                <a:lnTo>
+                  <a:pt x="1274834" y="6858000"/>
+                </a:lnTo>
+                <a:lnTo>
+                  <a:pt x="1445578" y="6858000"/>
+                </a:lnTo>
+                <a:lnTo>
+                  <a:pt x="1457787" y="6858000"/>
+                </a:lnTo>
+                <a:lnTo>
+                  <a:pt x="1949196" y="6858000"/>
+                </a:lnTo>
+                <a:lnTo>
+                  <a:pt x="3076369" y="6858000"/>
+                </a:lnTo>
+                <a:lnTo>
+                  <a:pt x="4863030" y="6858000"/>
+                </a:lnTo>
+                <a:lnTo>
+                  <a:pt x="4974786" y="6780599"/>
+                </a:lnTo>
+                <a:cubicBezTo>
+                  <a:pt x="5148604" y="6653108"/>
+                  <a:pt x="5319231" y="6515397"/>
+                  <a:pt x="5491434" y="6374814"/>
+                </a:cubicBezTo>
+                <a:cubicBezTo>
+                  <a:pt x="6437059" y="5602839"/>
+                  <a:pt x="7365784" y="4969131"/>
+                  <a:pt x="7365784" y="3621656"/>
+                </a:cubicBezTo>
+                <a:cubicBezTo>
+                  <a:pt x="7365784" y="2093192"/>
+                  <a:pt x="6792048" y="754641"/>
+                  <a:pt x="5764885" y="14997"/>
+                </a:cubicBezTo>
+                <a:close/>
+              </a:path>
+            </a:pathLst>
+          </a:custGeom>
+          <a:solidFill>
+            <a:srgbClr val="FFFFFF">
+              <a:alpha val="50000"/>
+            </a:srgbClr>
+          </a:solidFill>
+          <a:ln>
+            <a:noFill/>
+          </a:ln>
+        </p:spPr>
+        <p:style>
+          <a:lnRef idx="2">
+            <a:schemeClr val="accent1">
+              <a:shade val="50000"/>
+            </a:schemeClr>
+          </a:lnRef>
+          <a:fillRef idx="1">
+            <a:schemeClr val="accent1"/>
+          </a:fillRef>
+          <a:effectRef idx="0">
+            <a:schemeClr val="accent1"/>
+          </a:effectRef>
+          <a:fontRef idx="minor">
+            <a:schemeClr val="lt1"/>
+          </a:fontRef>
+        </p:style>
+        <p:txBody>
+          <a:bodyPr wrap="square" rtlCol="0" anchor="ctr">
+            <a:noAutofit/>
+          </a:bodyPr>
+          <a:lstStyle/>
+          <a:p>
+            <a:pPr marL="0" marR="0" lvl="0" indent="0" algn="ctr" defTabSz="914400" rtl="0" eaLnBrk="1" fontAlgn="auto" latinLnBrk="0" hangingPunct="1">
+              <a:lnSpc>
+                <a:spcPct val="100000"/>
+              </a:lnSpc>
+              <a:spcBef>
+                <a:spcPts val="0"/>
+              </a:spcBef>
+              <a:spcAft>
+                <a:spcPts val="0"/>
+              </a:spcAft>
+              <a:buClrTx/>
+              <a:buSzTx/>
+              <a:buFontTx/>
+              <a:buNone/>
+              <a:tabLst/>
+              <a:defRPr/>
+            </a:pPr>
+            <a:endParaRPr kumimoji="0" lang="en-US" sz="1800" b="0" i="0" u="none" strike="noStrike" kern="1200" cap="none" spc="0" normalizeH="0" baseline="0" noProof="0" dirty="0">
+              <a:ln>
+                <a:noFill/>
+              </a:ln>
+              <a:solidFill>
+                <a:prstClr val="white"/>
+              </a:solidFill>
+              <a:effectLst/>
+              <a:uLnTx/>
+              <a:uFillTx/>
+              <a:latin typeface="Calibri" panose="020F0502020204030204"/>
+              <a:ea typeface="+mn-ea"/>
+              <a:cs typeface="+mn-cs"/>
+            </a:endParaRPr>
+          </a:p>
+        </p:txBody>
+      </p:sp>
+      <p:sp>
+        <p:nvSpPr>
+          <p:cNvPr id="46" name="Freeform: Shape 45">
+            <a:extLst>
+              <a:ext uri="{FF2B5EF4-FFF2-40B4-BE49-F238E27FC236}">
+                <a16:creationId xmlns:a16="http://schemas.microsoft.com/office/drawing/2014/main" id="{673636C8-1392-483A-8A7A-CA259E806C54}"/>
+              </a:ext>
+              <a:ext uri="{C183D7F6-B498-43B3-948B-1728B52AA6E4}">
+                <adec:decorative xmlns:adec="http://schemas.microsoft.com/office/drawing/2017/decorative" val="1"/>
+              </a:ext>
+            </a:extLst>
+          </p:cNvPr>
+          <p:cNvSpPr>
+            <a:spLocks noGrp="1" noRot="1" noChangeAspect="1" noMove="1" noResize="1" noEditPoints="1" noAdjustHandles="1" noChangeArrowheads="1" noChangeShapeType="1" noTextEdit="1"/>
+          </p:cNvSpPr>
+          <p:nvPr>
+            <p:extLst>
+              <p:ext uri="{386F3935-93C4-4BCD-93E2-E3B085C9AB24}">
+                <p16:designElem xmlns:p16="http://schemas.microsoft.com/office/powerpoint/2015/main" val="1"/>
+              </p:ext>
+            </p:extLst>
+          </p:nvPr>
+        </p:nvSpPr>
+        <p:spPr>
+          <a:xfrm flipH="1">
+            <a:off x="4983671" y="0"/>
+            <a:ext cx="7208329" cy="6858000"/>
+          </a:xfrm>
+          <a:custGeom>
+            <a:avLst/>
+            <a:gdLst>
+              <a:gd name="connsiteX0" fmla="*/ 5585306 w 7208329"/>
+              <a:gd name="connsiteY0" fmla="*/ 0 h 6858000"/>
+              <a:gd name="connsiteX1" fmla="*/ 2918914 w 7208329"/>
+              <a:gd name="connsiteY1" fmla="*/ 0 h 6858000"/>
+              <a:gd name="connsiteX2" fmla="*/ 1592911 w 7208329"/>
+              <a:gd name="connsiteY2" fmla="*/ 0 h 6858000"/>
+              <a:gd name="connsiteX3" fmla="*/ 1425773 w 7208329"/>
+              <a:gd name="connsiteY3" fmla="*/ 0 h 6858000"/>
+              <a:gd name="connsiteX4" fmla="*/ 1300332 w 7208329"/>
+              <a:gd name="connsiteY4" fmla="*/ 0 h 6858000"/>
+              <a:gd name="connsiteX5" fmla="*/ 1288123 w 7208329"/>
+              <a:gd name="connsiteY5" fmla="*/ 0 h 6858000"/>
+              <a:gd name="connsiteX6" fmla="*/ 414253 w 7208329"/>
+              <a:gd name="connsiteY6" fmla="*/ 0 h 6858000"/>
+              <a:gd name="connsiteX7" fmla="*/ 80302 w 7208329"/>
+              <a:gd name="connsiteY7" fmla="*/ 0 h 6858000"/>
+              <a:gd name="connsiteX8" fmla="*/ 47706 w 7208329"/>
+              <a:gd name="connsiteY8" fmla="*/ 0 h 6858000"/>
+              <a:gd name="connsiteX9" fmla="*/ 0 w 7208329"/>
+              <a:gd name="connsiteY9" fmla="*/ 0 h 6858000"/>
+              <a:gd name="connsiteX10" fmla="*/ 0 w 7208329"/>
+              <a:gd name="connsiteY10" fmla="*/ 6858000 h 6858000"/>
+              <a:gd name="connsiteX11" fmla="*/ 47706 w 7208329"/>
+              <a:gd name="connsiteY11" fmla="*/ 6858000 h 6858000"/>
+              <a:gd name="connsiteX12" fmla="*/ 80302 w 7208329"/>
+              <a:gd name="connsiteY12" fmla="*/ 6858000 h 6858000"/>
+              <a:gd name="connsiteX13" fmla="*/ 414253 w 7208329"/>
+              <a:gd name="connsiteY13" fmla="*/ 6858000 h 6858000"/>
+              <a:gd name="connsiteX14" fmla="*/ 1117379 w 7208329"/>
+              <a:gd name="connsiteY14" fmla="*/ 6858000 h 6858000"/>
+              <a:gd name="connsiteX15" fmla="*/ 1288123 w 7208329"/>
+              <a:gd name="connsiteY15" fmla="*/ 6858000 h 6858000"/>
+              <a:gd name="connsiteX16" fmla="*/ 1300332 w 7208329"/>
+              <a:gd name="connsiteY16" fmla="*/ 6858000 h 6858000"/>
+              <a:gd name="connsiteX17" fmla="*/ 1592911 w 7208329"/>
+              <a:gd name="connsiteY17" fmla="*/ 6858000 h 6858000"/>
+              <a:gd name="connsiteX18" fmla="*/ 2918914 w 7208329"/>
+              <a:gd name="connsiteY18" fmla="*/ 6858000 h 6858000"/>
+              <a:gd name="connsiteX19" fmla="*/ 4705575 w 7208329"/>
+              <a:gd name="connsiteY19" fmla="*/ 6858000 h 6858000"/>
+              <a:gd name="connsiteX20" fmla="*/ 4817331 w 7208329"/>
+              <a:gd name="connsiteY20" fmla="*/ 6780599 h 6858000"/>
+              <a:gd name="connsiteX21" fmla="*/ 5333979 w 7208329"/>
+              <a:gd name="connsiteY21" fmla="*/ 6374814 h 6858000"/>
+              <a:gd name="connsiteX22" fmla="*/ 7208329 w 7208329"/>
+              <a:gd name="connsiteY22" fmla="*/ 3621656 h 6858000"/>
+              <a:gd name="connsiteX23" fmla="*/ 5607430 w 7208329"/>
+              <a:gd name="connsiteY23" fmla="*/ 14997 h 6858000"/>
+            </a:gdLst>
+            <a:ahLst/>
+            <a:cxnLst>
+              <a:cxn ang="0">
+                <a:pos x="connsiteX0" y="connsiteY0"/>
+              </a:cxn>
+              <a:cxn ang="0">
+                <a:pos x="connsiteX1" y="connsiteY1"/>
+              </a:cxn>
+              <a:cxn ang="0">
+                <a:pos x="connsiteX2" y="connsiteY2"/>
+              </a:cxn>
+              <a:cxn ang="0">
+                <a:pos x="connsiteX3" y="connsiteY3"/>
+              </a:cxn>
+              <a:cxn ang="0">
+                <a:pos x="connsiteX4" y="connsiteY4"/>
+              </a:cxn>
+              <a:cxn ang="0">
+                <a:pos x="connsiteX5" y="connsiteY5"/>
+              </a:cxn>
+              <a:cxn ang="0">
+                <a:pos x="connsiteX6" y="connsiteY6"/>
+              </a:cxn>
+              <a:cxn ang="0">
+                <a:pos x="connsiteX7" y="connsiteY7"/>
+              </a:cxn>
+              <a:cxn ang="0">
+                <a:pos x="connsiteX8" y="connsiteY8"/>
+              </a:cxn>
+              <a:cxn ang="0">
+                <a:pos x="connsiteX9" y="connsiteY9"/>
+              </a:cxn>
+              <a:cxn ang="0">
+                <a:pos x="connsiteX10" y="connsiteY10"/>
+              </a:cxn>
+              <a:cxn ang="0">
+                <a:pos x="connsiteX11" y="connsiteY11"/>
+              </a:cxn>
+              <a:cxn ang="0">
+                <a:pos x="connsiteX12" y="connsiteY12"/>
+              </a:cxn>
+              <a:cxn ang="0">
+                <a:pos x="connsiteX13" y="connsiteY13"/>
+              </a:cxn>
+              <a:cxn ang="0">
+                <a:pos x="connsiteX14" y="connsiteY14"/>
+              </a:cxn>
+              <a:cxn ang="0">
+                <a:pos x="connsiteX15" y="connsiteY15"/>
+              </a:cxn>
+              <a:cxn ang="0">
+                <a:pos x="connsiteX16" y="connsiteY16"/>
+              </a:cxn>
+              <a:cxn ang="0">
+                <a:pos x="connsiteX17" y="connsiteY17"/>
+              </a:cxn>
+              <a:cxn ang="0">
+                <a:pos x="connsiteX18" y="connsiteY18"/>
+              </a:cxn>
+              <a:cxn ang="0">
+                <a:pos x="connsiteX19" y="connsiteY19"/>
+              </a:cxn>
+              <a:cxn ang="0">
+                <a:pos x="connsiteX20" y="connsiteY20"/>
+              </a:cxn>
+              <a:cxn ang="0">
+                <a:pos x="connsiteX21" y="connsiteY21"/>
+              </a:cxn>
+              <a:cxn ang="0">
+                <a:pos x="connsiteX22" y="connsiteY22"/>
+              </a:cxn>
+              <a:cxn ang="0">
+                <a:pos x="connsiteX23" y="connsiteY23"/>
+              </a:cxn>
+            </a:cxnLst>
+            <a:rect l="l" t="t" r="r" b="b"/>
+            <a:pathLst>
+              <a:path w="7208329" h="6858000">
+                <a:moveTo>
+                  <a:pt x="5585306" y="0"/>
+                </a:moveTo>
+                <a:lnTo>
+                  <a:pt x="2918914" y="0"/>
+                </a:lnTo>
+                <a:lnTo>
+                  <a:pt x="1592911" y="0"/>
+                </a:lnTo>
+                <a:lnTo>
+                  <a:pt x="1425773" y="0"/>
+                </a:lnTo>
+                <a:lnTo>
+                  <a:pt x="1300332" y="0"/>
+                </a:lnTo>
+                <a:lnTo>
+                  <a:pt x="1288123" y="0"/>
+                </a:lnTo>
+                <a:lnTo>
+                  <a:pt x="414253" y="0"/>
+                </a:lnTo>
+                <a:lnTo>
+                  <a:pt x="80302" y="0"/>
+                </a:lnTo>
+                <a:lnTo>
+                  <a:pt x="47706" y="0"/>
+                </a:lnTo>
+                <a:lnTo>
+                  <a:pt x="0" y="0"/>
+                </a:lnTo>
+                <a:lnTo>
+                  <a:pt x="0" y="6858000"/>
+                </a:lnTo>
+                <a:lnTo>
+                  <a:pt x="47706" y="6858000"/>
+                </a:lnTo>
+                <a:lnTo>
+                  <a:pt x="80302" y="6858000"/>
+                </a:lnTo>
+                <a:lnTo>
+                  <a:pt x="414253" y="6858000"/>
+                </a:lnTo>
+                <a:lnTo>
+                  <a:pt x="1117379" y="6858000"/>
+                </a:lnTo>
+                <a:lnTo>
+                  <a:pt x="1288123" y="6858000"/>
+                </a:lnTo>
+                <a:lnTo>
+                  <a:pt x="1300332" y="6858000"/>
+                </a:lnTo>
+                <a:lnTo>
+                  <a:pt x="1592911" y="6858000"/>
+                </a:lnTo>
+                <a:lnTo>
+                  <a:pt x="2918914" y="6858000"/>
+                </a:lnTo>
+                <a:lnTo>
+                  <a:pt x="4705575" y="6858000"/>
+                </a:lnTo>
+                <a:lnTo>
+                  <a:pt x="4817331" y="6780599"/>
+                </a:lnTo>
+                <a:cubicBezTo>
+                  <a:pt x="4991149" y="6653108"/>
+                  <a:pt x="5161776" y="6515397"/>
+                  <a:pt x="5333979" y="6374814"/>
+                </a:cubicBezTo>
+                <a:cubicBezTo>
+                  <a:pt x="6279604" y="5602839"/>
+                  <a:pt x="7208329" y="4969131"/>
+                  <a:pt x="7208329" y="3621656"/>
+                </a:cubicBezTo>
+                <a:cubicBezTo>
+                  <a:pt x="7208329" y="2093192"/>
+                  <a:pt x="6634593" y="754641"/>
+                  <a:pt x="5607430" y="14997"/>
+                </a:cubicBezTo>
+                <a:close/>
+              </a:path>
+            </a:pathLst>
+          </a:custGeom>
+          <a:solidFill>
+            <a:schemeClr val="bg1">
+              <a:alpha val="70000"/>
+            </a:schemeClr>
+          </a:solidFill>
+          <a:ln>
+            <a:noFill/>
+          </a:ln>
+        </p:spPr>
+        <p:style>
+          <a:lnRef idx="2">
+            <a:schemeClr val="accent1">
+              <a:shade val="50000"/>
+            </a:schemeClr>
+          </a:lnRef>
+          <a:fillRef idx="1">
+            <a:schemeClr val="accent1"/>
+          </a:fillRef>
+          <a:effectRef idx="0">
+            <a:schemeClr val="accent1"/>
+          </a:effectRef>
+          <a:fontRef idx="minor">
+            <a:schemeClr val="lt1"/>
+          </a:fontRef>
+        </p:style>
+        <p:txBody>
+          <a:bodyPr wrap="square" rtlCol="0" anchor="ctr">
+            <a:noAutofit/>
+          </a:bodyPr>
+          <a:lstStyle/>
+          <a:p>
+            <a:pPr marL="0" marR="0" lvl="0" indent="0" algn="ctr" defTabSz="914400" rtl="0" eaLnBrk="1" fontAlgn="auto" latinLnBrk="0" hangingPunct="1">
+              <a:lnSpc>
+                <a:spcPct val="100000"/>
+              </a:lnSpc>
+              <a:spcBef>
+                <a:spcPts val="0"/>
+              </a:spcBef>
+              <a:spcAft>
+                <a:spcPts val="0"/>
+              </a:spcAft>
+              <a:buClrTx/>
+              <a:buSzTx/>
+              <a:buFontTx/>
+              <a:buNone/>
+              <a:tabLst/>
+              <a:defRPr/>
+            </a:pPr>
+            <a:endParaRPr kumimoji="0" lang="en-US" sz="1800" b="0" i="0" u="none" strike="noStrike" kern="1200" cap="none" spc="0" normalizeH="0" baseline="0" noProof="0" dirty="0">
+              <a:ln>
+                <a:noFill/>
+              </a:ln>
+              <a:solidFill>
+                <a:prstClr val="white"/>
+              </a:solidFill>
+              <a:effectLst/>
+              <a:uLnTx/>
+              <a:uFillTx/>
+              <a:latin typeface="Calibri" panose="020F0502020204030204"/>
+              <a:ea typeface="+mn-ea"/>
+              <a:cs typeface="+mn-cs"/>
+            </a:endParaRPr>
+          </a:p>
+        </p:txBody>
+      </p:sp>
+      <p:sp>
+        <p:nvSpPr>
+          <p:cNvPr id="48" name="Freeform: Shape 47">
+            <a:extLst>
+              <a:ext uri="{FF2B5EF4-FFF2-40B4-BE49-F238E27FC236}">
+                <a16:creationId xmlns:a16="http://schemas.microsoft.com/office/drawing/2014/main" id="{7539A79B-DFBA-4781-B0DE-4044B072261B}"/>
+              </a:ext>
+              <a:ext uri="{C183D7F6-B498-43B3-948B-1728B52AA6E4}">
+                <adec:decorative xmlns:adec="http://schemas.microsoft.com/office/drawing/2017/decorative" val="1"/>
+              </a:ext>
+            </a:extLst>
+          </p:cNvPr>
+          <p:cNvSpPr>
+            <a:spLocks noGrp="1" noRot="1" noChangeAspect="1" noMove="1" noResize="1" noEditPoints="1" noAdjustHandles="1" noChangeArrowheads="1" noChangeShapeType="1" noTextEdit="1"/>
+          </p:cNvSpPr>
+          <p:nvPr>
+            <p:extLst>
+              <p:ext uri="{386F3935-93C4-4BCD-93E2-E3B085C9AB24}">
+                <p16:designElem xmlns:p16="http://schemas.microsoft.com/office/powerpoint/2015/main" val="1"/>
+              </p:ext>
+            </p:extLst>
+          </p:nvPr>
+        </p:nvSpPr>
+        <p:spPr>
+          <a:xfrm flipH="1">
+            <a:off x="4611396" y="0"/>
+            <a:ext cx="2529723" cy="6858000"/>
+          </a:xfrm>
+          <a:custGeom>
+            <a:avLst/>
+            <a:gdLst>
+              <a:gd name="connsiteX0" fmla="*/ 1258269 w 2529723"/>
+              <a:gd name="connsiteY0" fmla="*/ 0 h 6858000"/>
+              <a:gd name="connsiteX1" fmla="*/ 1275627 w 2529723"/>
+              <a:gd name="connsiteY1" fmla="*/ 0 h 6858000"/>
+              <a:gd name="connsiteX2" fmla="*/ 1302560 w 2529723"/>
+              <a:gd name="connsiteY2" fmla="*/ 24338 h 6858000"/>
+              <a:gd name="connsiteX3" fmla="*/ 2522825 w 2529723"/>
+              <a:gd name="connsiteY3" fmla="*/ 3678515 h 6858000"/>
+              <a:gd name="connsiteX4" fmla="*/ 557500 w 2529723"/>
+              <a:gd name="connsiteY4" fmla="*/ 6451411 h 6858000"/>
+              <a:gd name="connsiteX5" fmla="*/ 32482 w 2529723"/>
+              <a:gd name="connsiteY5" fmla="*/ 6849373 h 6858000"/>
+              <a:gd name="connsiteX6" fmla="*/ 19531 w 2529723"/>
+              <a:gd name="connsiteY6" fmla="*/ 6858000 h 6858000"/>
+              <a:gd name="connsiteX7" fmla="*/ 0 w 2529723"/>
+              <a:gd name="connsiteY7" fmla="*/ 6858000 h 6858000"/>
+              <a:gd name="connsiteX8" fmla="*/ 14202 w 2529723"/>
+              <a:gd name="connsiteY8" fmla="*/ 6848540 h 6858000"/>
+              <a:gd name="connsiteX9" fmla="*/ 539221 w 2529723"/>
+              <a:gd name="connsiteY9" fmla="*/ 6450578 h 6858000"/>
+              <a:gd name="connsiteX10" fmla="*/ 2504546 w 2529723"/>
+              <a:gd name="connsiteY10" fmla="*/ 3677682 h 6858000"/>
+              <a:gd name="connsiteX11" fmla="*/ 1284280 w 2529723"/>
+              <a:gd name="connsiteY11" fmla="*/ 23504 h 6858000"/>
+            </a:gdLst>
+            <a:ahLst/>
+            <a:cxnLst>
+              <a:cxn ang="0">
+                <a:pos x="connsiteX0" y="connsiteY0"/>
+              </a:cxn>
+              <a:cxn ang="0">
+                <a:pos x="connsiteX1" y="connsiteY1"/>
+              </a:cxn>
+              <a:cxn ang="0">
+                <a:pos x="connsiteX2" y="connsiteY2"/>
+              </a:cxn>
+              <a:cxn ang="0">
+                <a:pos x="connsiteX3" y="connsiteY3"/>
+              </a:cxn>
+              <a:cxn ang="0">
+                <a:pos x="connsiteX4" y="connsiteY4"/>
+              </a:cxn>
+              <a:cxn ang="0">
+                <a:pos x="connsiteX5" y="connsiteY5"/>
+              </a:cxn>
+              <a:cxn ang="0">
+                <a:pos x="connsiteX6" y="connsiteY6"/>
+              </a:cxn>
+              <a:cxn ang="0">
+                <a:pos x="connsiteX7" y="connsiteY7"/>
+              </a:cxn>
+              <a:cxn ang="0">
+                <a:pos x="connsiteX8" y="connsiteY8"/>
+              </a:cxn>
+              <a:cxn ang="0">
+                <a:pos x="connsiteX9" y="connsiteY9"/>
+              </a:cxn>
+              <a:cxn ang="0">
+                <a:pos x="connsiteX10" y="connsiteY10"/>
+              </a:cxn>
+              <a:cxn ang="0">
+                <a:pos x="connsiteX11" y="connsiteY11"/>
+              </a:cxn>
+            </a:cxnLst>
+            <a:rect l="l" t="t" r="r" b="b"/>
+            <a:pathLst>
+              <a:path w="2529723" h="6858000">
+                <a:moveTo>
+                  <a:pt x="1258269" y="0"/>
+                </a:moveTo>
+                <a:lnTo>
+                  <a:pt x="1275627" y="0"/>
+                </a:lnTo>
+                <a:lnTo>
+                  <a:pt x="1302560" y="24338"/>
+                </a:lnTo>
+                <a:cubicBezTo>
+                  <a:pt x="2156831" y="855667"/>
+                  <a:pt x="2590622" y="2191755"/>
+                  <a:pt x="2522825" y="3678515"/>
+                </a:cubicBezTo>
+                <a:cubicBezTo>
+                  <a:pt x="2459072" y="5076606"/>
+                  <a:pt x="1519830" y="5692656"/>
+                  <a:pt x="557500" y="6451411"/>
+                </a:cubicBezTo>
+                <a:cubicBezTo>
+                  <a:pt x="382255" y="6589587"/>
+                  <a:pt x="208689" y="6724853"/>
+                  <a:pt x="32482" y="6849373"/>
+                </a:cubicBezTo>
+                <a:lnTo>
+                  <a:pt x="19531" y="6858000"/>
+                </a:lnTo>
+                <a:lnTo>
+                  <a:pt x="0" y="6858000"/>
+                </a:lnTo>
+                <a:lnTo>
+                  <a:pt x="14202" y="6848540"/>
+                </a:lnTo>
+                <a:cubicBezTo>
+                  <a:pt x="190409" y="6724020"/>
+                  <a:pt x="363976" y="6588754"/>
+                  <a:pt x="539221" y="6450578"/>
+                </a:cubicBezTo>
+                <a:cubicBezTo>
+                  <a:pt x="1501550" y="5691822"/>
+                  <a:pt x="2440792" y="5075773"/>
+                  <a:pt x="2504546" y="3677682"/>
+                </a:cubicBezTo>
+                <a:cubicBezTo>
+                  <a:pt x="2572343" y="2190921"/>
+                  <a:pt x="2138551" y="854834"/>
+                  <a:pt x="1284280" y="23504"/>
+                </a:cubicBezTo>
+                <a:close/>
+              </a:path>
+            </a:pathLst>
+          </a:custGeom>
+          <a:solidFill>
+            <a:srgbClr val="FFFFFF">
+              <a:alpha val="70000"/>
+            </a:srgbClr>
+          </a:solidFill>
+          <a:ln>
+            <a:noFill/>
+          </a:ln>
+        </p:spPr>
+        <p:style>
+          <a:lnRef idx="2">
+            <a:schemeClr val="accent1">
+              <a:shade val="50000"/>
+            </a:schemeClr>
+          </a:lnRef>
+          <a:fillRef idx="1">
+            <a:schemeClr val="accent1"/>
+          </a:fillRef>
+          <a:effectRef idx="0">
+            <a:schemeClr val="accent1"/>
+          </a:effectRef>
+          <a:fontRef idx="minor">
+            <a:schemeClr val="lt1"/>
+          </a:fontRef>
+        </p:style>
+        <p:txBody>
+          <a:bodyPr wrap="square" rtlCol="0" anchor="ctr">
+            <a:noAutofit/>
+          </a:bodyPr>
+          <a:lstStyle/>
+          <a:p>
+            <a:pPr marL="0" marR="0" lvl="0" indent="0" algn="ctr" defTabSz="457200" rtl="0" eaLnBrk="1" fontAlgn="auto" latinLnBrk="0" hangingPunct="1">
+              <a:lnSpc>
+                <a:spcPct val="100000"/>
+              </a:lnSpc>
+              <a:spcBef>
+                <a:spcPts val="0"/>
+              </a:spcBef>
+              <a:spcAft>
+                <a:spcPts val="0"/>
+              </a:spcAft>
+              <a:buClrTx/>
+              <a:buSzTx/>
+              <a:buFontTx/>
+              <a:buNone/>
+              <a:tabLst/>
+              <a:defRPr/>
+            </a:pPr>
+            <a:endParaRPr kumimoji="0" lang="en-US" sz="1800" b="0" i="0" u="none" strike="noStrike" kern="1200" cap="none" spc="0" normalizeH="0" baseline="0" noProof="0" dirty="0">
+              <a:ln>
+                <a:noFill/>
+              </a:ln>
+              <a:solidFill>
+                <a:prstClr val="white"/>
+              </a:solidFill>
+              <a:effectLst/>
+              <a:uLnTx/>
+              <a:uFillTx/>
+              <a:latin typeface="Meiryo"/>
+              <a:ea typeface="+mn-ea"/>
+              <a:cs typeface="+mn-cs"/>
+            </a:endParaRPr>
+          </a:p>
+        </p:txBody>
+      </p:sp>
+      <p:sp>
+        <p:nvSpPr>
+          <p:cNvPr id="2" name="Title 1"/>
+          <p:cNvSpPr>
+            <a:spLocks noGrp="1"/>
+          </p:cNvSpPr>
+          <p:nvPr>
+            <p:ph type="ctrTitle"/>
+          </p:nvPr>
+        </p:nvSpPr>
+        <p:spPr>
+          <a:xfrm>
+            <a:off x="5970897" y="1346268"/>
+            <a:ext cx="5568285" cy="2809475"/>
+          </a:xfrm>
+        </p:spPr>
+        <p:txBody>
+          <a:bodyPr>
+            <a:normAutofit fontScale="90000"/>
+          </a:bodyPr>
+          <a:lstStyle/>
+          <a:p>
+            <a:pPr algn="l"/>
+            <a:r>
+              <a:rPr lang="en-US" dirty="0">
+                <a:ea typeface="Calibri Light"/>
+                <a:cs typeface="Calibri Light"/>
+              </a:rPr>
+              <a:t>AR/VR Workshop</a:t>
+            </a:r>
+            <a:br>
+              <a:rPr lang="en-US" dirty="0">
+                <a:ea typeface="Calibri Light"/>
+                <a:cs typeface="Calibri Light"/>
+              </a:rPr>
+            </a:br>
+            <a:r>
+              <a:rPr lang="en-US" b="1" dirty="0">
+                <a:latin typeface="+mn-lt"/>
+                <a:ea typeface="Calibri Light"/>
+                <a:cs typeface="Calibri Light"/>
+              </a:rPr>
+              <a:t>Mo</a:t>
+            </a:r>
+            <a:r>
+              <a:rPr lang="en-US" b="1" dirty="0">
+                <a:latin typeface="Calibri"/>
+                <a:ea typeface="Calibri"/>
+                <a:cs typeface="Calibri"/>
+              </a:rPr>
+              <a:t>ving geometric objects</a:t>
+            </a:r>
+            <a:endParaRPr lang="en-US" dirty="0">
+              <a:ea typeface="Calibri Light"/>
+              <a:cs typeface="Calibri Light"/>
+            </a:endParaRPr>
+          </a:p>
+        </p:txBody>
+      </p:sp>
+      <p:sp>
+        <p:nvSpPr>
+          <p:cNvPr id="3" name="Subtitle 2"/>
+          <p:cNvSpPr>
+            <a:spLocks noGrp="1"/>
+          </p:cNvSpPr>
+          <p:nvPr>
+            <p:ph type="subTitle" idx="1"/>
+          </p:nvPr>
+        </p:nvSpPr>
+        <p:spPr>
+          <a:xfrm>
+            <a:off x="5969341" y="4251279"/>
+            <a:ext cx="5569714" cy="1037228"/>
+          </a:xfrm>
+        </p:spPr>
+        <p:txBody>
+          <a:bodyPr vert="horz" lIns="91440" tIns="45720" rIns="91440" bIns="45720" rtlCol="0">
+            <a:normAutofit/>
+          </a:bodyPr>
+          <a:lstStyle/>
+          <a:p>
+            <a:pPr algn="l"/>
+            <a:r>
+              <a:rPr lang="en-US" dirty="0">
+                <a:solidFill>
+                  <a:srgbClr val="0070C0"/>
+                </a:solidFill>
+                <a:ea typeface="Calibri"/>
+                <a:cs typeface="Calibri"/>
+              </a:rPr>
+              <a:t>Phillip G. Bradford</a:t>
+            </a:r>
+          </a:p>
+          <a:p>
+            <a:pPr algn="l"/>
+            <a:r>
+              <a:rPr lang="en-US" dirty="0">
+                <a:solidFill>
+                  <a:srgbClr val="0070C0"/>
+                </a:solidFill>
+                <a:ea typeface="Calibri"/>
+                <a:cs typeface="Calibri"/>
+              </a:rPr>
+              <a:t>University of Connecticut</a:t>
+            </a:r>
+            <a:endParaRPr lang="en-US" dirty="0">
+              <a:solidFill>
+                <a:srgbClr val="0070C0"/>
+              </a:solidFill>
+            </a:endParaRPr>
+          </a:p>
+        </p:txBody>
+      </p:sp>
+    </p:spTree>
+    <p:extLst>
+      <p:ext uri="{BB962C8B-B14F-4D97-AF65-F5344CB8AC3E}">
+        <p14:creationId xmlns:p14="http://schemas.microsoft.com/office/powerpoint/2010/main" val="4254963785"/>
+      </p:ext>
+    </p:extLst>
+  </p:cSld>
+  <p:clrMapOvr>
+    <a:masterClrMapping/>
+  </p:clrMapOvr>
+  <p:timing>
+    <p:tnLst>
+      <p:par>
+        <p:cTn id="1" dur="indefinite" restart="never" nodeType="tmRoot">
+          <p:childTnLst>
+            <p:seq concurrent="1" nextAc="seek">
+              <p:cTn id="2" dur="indefinite" nodeType="mainSeq">
+                <p:childTnLst>
+                  <p:par>
+                    <p:cTn id="3" fill="hold">
+                      <p:stCondLst>
+                        <p:cond delay="indefinite"/>
+                        <p:cond evt="onBegin" delay="0">
+                          <p:tn val="2"/>
+                        </p:cond>
+                      </p:stCondLst>
+                      <p:childTnLst>
+                        <p:par>
+                          <p:cTn id="4" fill="hold">
+                            <p:stCondLst>
+                              <p:cond delay="0"/>
+                            </p:stCondLst>
+                            <p:childTnLst>
+                              <p:par>
+                                <p:cTn id="5" presetID="10" presetClass="entr" presetSubtype="0" fill="hold" grpId="0" nodeType="withEffect">
+                                  <p:stCondLst>
+                                    <p:cond delay="500"/>
+                                  </p:stCondLst>
+                                  <p:iterate type="lt">
+                                    <p:tmPct val="10000"/>
+                                  </p:iterate>
+                                  <p:childTnLst>
+                                    <p:set>
+                                      <p:cBhvr>
+                                        <p:cTn id="6" dur="1" fill="hold">
+                                          <p:stCondLst>
+                                            <p:cond delay="0"/>
+                                          </p:stCondLst>
+                                        </p:cTn>
+                                        <p:tgtEl>
+                                          <p:spTgt spid="2"/>
+                                        </p:tgtEl>
+                                        <p:attrNameLst>
+                                          <p:attrName>style.visibility</p:attrName>
+                                        </p:attrNameLst>
+                                      </p:cBhvr>
+                                      <p:to>
+                                        <p:strVal val="visible"/>
+                                      </p:to>
+                                    </p:set>
+                                    <p:animEffect transition="in" filter="fade">
+                                      <p:cBhvr>
+                                        <p:cTn id="7" dur="400"/>
+                                        <p:tgtEl>
+                                          <p:spTgt spid="2"/>
+                                        </p:tgtEl>
+                                      </p:cBhvr>
+                                    </p:animEffect>
+                                  </p:childTnLst>
+                                </p:cTn>
+                              </p:par>
+                              <p:par>
+                                <p:cTn id="8" presetID="10" presetClass="entr" presetSubtype="0" fill="hold" grpId="0" nodeType="withEffect">
+                                  <p:stCondLst>
+                                    <p:cond delay="2000"/>
+                                  </p:stCondLst>
+                                  <p:iterate type="lt">
+                                    <p:tmPct val="10000"/>
+                                  </p:iterate>
+                                  <p:childTnLst>
+                                    <p:set>
+                                      <p:cBhvr>
+                                        <p:cTn id="9" dur="1" fill="hold">
+                                          <p:stCondLst>
+                                            <p:cond delay="0"/>
+                                          </p:stCondLst>
+                                        </p:cTn>
+                                        <p:tgtEl>
+                                          <p:spTgt spid="3">
+                                            <p:txEl>
+                                              <p:pRg st="0" end="0"/>
+                                            </p:txEl>
+                                          </p:spTgt>
+                                        </p:tgtEl>
+                                        <p:attrNameLst>
+                                          <p:attrName>style.visibility</p:attrName>
+                                        </p:attrNameLst>
+                                      </p:cBhvr>
+                                      <p:to>
+                                        <p:strVal val="visible"/>
+                                      </p:to>
+                                    </p:set>
+                                    <p:animEffect transition="in" filter="fade">
+                                      <p:cBhvr>
+                                        <p:cTn id="10" dur="400"/>
+                                        <p:tgtEl>
+                                          <p:spTgt spid="3">
+                                            <p:txEl>
+                                              <p:pRg st="0" end="0"/>
+                                            </p:txEl>
+                                          </p:spTgt>
+                                        </p:tgtEl>
+                                      </p:cBhvr>
+                                    </p:animEffect>
+                                  </p:childTnLst>
+                                </p:cTn>
+                              </p:par>
+                            </p:childTnLst>
+                          </p:cTn>
+                        </p:par>
+                      </p:childTnLst>
+                    </p:cTn>
+                  </p:par>
+                  <p:par>
+                    <p:cTn id="11" fill="hold">
+                      <p:stCondLst>
+                        <p:cond delay="indefinite"/>
+                      </p:stCondLst>
+                      <p:childTnLst>
+                        <p:par>
+                          <p:cTn id="12" fill="hold">
+                            <p:stCondLst>
+                              <p:cond delay="0"/>
+                            </p:stCondLst>
+                            <p:childTnLst>
+                              <p:par>
+                                <p:cTn id="13" presetID="10" presetClass="entr" presetSubtype="0" fill="hold" grpId="0" nodeType="clickEffect">
+                                  <p:stCondLst>
+                                    <p:cond delay="2000"/>
+                                  </p:stCondLst>
+                                  <p:iterate type="lt">
+                                    <p:tmPct val="10000"/>
+                                  </p:iterate>
+                                  <p:childTnLst>
+                                    <p:set>
+                                      <p:cBhvr>
+                                        <p:cTn id="14" dur="1" fill="hold">
+                                          <p:stCondLst>
+                                            <p:cond delay="0"/>
+                                          </p:stCondLst>
+                                        </p:cTn>
+                                        <p:tgtEl>
+                                          <p:spTgt spid="3">
+                                            <p:txEl>
+                                              <p:pRg st="1" end="1"/>
+                                            </p:txEl>
+                                          </p:spTgt>
+                                        </p:tgtEl>
+                                        <p:attrNameLst>
+                                          <p:attrName>style.visibility</p:attrName>
+                                        </p:attrNameLst>
+                                      </p:cBhvr>
+                                      <p:to>
+                                        <p:strVal val="visible"/>
+                                      </p:to>
+                                    </p:set>
+                                    <p:animEffect transition="in" filter="fade">
+                                      <p:cBhvr>
+                                        <p:cTn id="15" dur="400"/>
+                                        <p:tgtEl>
+                                          <p:spTgt spid="3">
+                                            <p:txEl>
+                                              <p:pRg st="1" end="1"/>
+                                            </p:txEl>
+                                          </p:spTgt>
+                                        </p:tgtEl>
+                                      </p:cBhvr>
+                                    </p:animEffect>
+                                  </p:childTnLst>
+                                </p:cTn>
+                              </p:par>
+                            </p:childTnLst>
+                          </p:cTn>
+                        </p:par>
+                      </p:childTnLst>
+                    </p:cTn>
+                  </p:par>
+                </p:childTnLst>
+              </p:cTn>
+              <p:prevCondLst>
+                <p:cond evt="onPrev" delay="0">
+                  <p:tgtEl>
+                    <p:sldTgt/>
+                  </p:tgtEl>
+                </p:cond>
+              </p:prevCondLst>
+              <p:nextCondLst>
+                <p:cond evt="onNext" delay="0">
+                  <p:tgtEl>
+                    <p:sldTgt/>
+                  </p:tgtEl>
+                </p:cond>
+              </p:nextCondLst>
+            </p:seq>
+          </p:childTnLst>
+        </p:cTn>
+      </p:par>
+    </p:tnLst>
+    <p:bldLst>
+      <p:bldP spid="2" grpId="0"/>
+      <p:bldP spid="3" grpId="0" build="p"/>
+    </p:bldLst>
+  </p:timing>
+</p:sld>
+</file>
+
+<file path=ppt/slides/slide3.xml><?xml version="1.0" encoding="utf-8"?>
 <p:sld xmlns:a="http://schemas.openxmlformats.org/drawingml/2006/main" xmlns:r="http://schemas.openxmlformats.org/officeDocument/2006/relationships" xmlns:p="http://schemas.openxmlformats.org/presentationml/2006/main">
   <p:cSld>
     <p:spTree>
@@ -6017,143 +7578,6 @@
 </p:sld>
 </file>
 
-<file path=ppt/slides/slide3.xml><?xml version="1.0" encoding="utf-8"?>
-<p:sld xmlns:a="http://schemas.openxmlformats.org/drawingml/2006/main" xmlns:r="http://schemas.openxmlformats.org/officeDocument/2006/relationships" xmlns:p="http://schemas.openxmlformats.org/presentationml/2006/main">
-  <p:cSld>
-    <p:spTree>
-      <p:nvGrpSpPr>
-        <p:cNvPr id="1" name=""/>
-        <p:cNvGrpSpPr/>
-        <p:nvPr/>
-      </p:nvGrpSpPr>
-      <p:grpSpPr>
-        <a:xfrm>
-          <a:off x="0" y="0"/>
-          <a:ext cx="0" cy="0"/>
-          <a:chOff x="0" y="0"/>
-          <a:chExt cx="0" cy="0"/>
-        </a:xfrm>
-      </p:grpSpPr>
-      <p:sp>
-        <p:nvSpPr>
-          <p:cNvPr id="2" name="Title 1">
-            <a:extLst>
-              <a:ext uri="{FF2B5EF4-FFF2-40B4-BE49-F238E27FC236}">
-                <a16:creationId xmlns:a16="http://schemas.microsoft.com/office/drawing/2014/main" id="{D0A32E1B-304C-70CA-4FE2-121036B45BBD}"/>
-              </a:ext>
-            </a:extLst>
-          </p:cNvPr>
-          <p:cNvSpPr>
-            <a:spLocks noGrp="1"/>
-          </p:cNvSpPr>
-          <p:nvPr>
-            <p:ph type="title"/>
-          </p:nvPr>
-        </p:nvSpPr>
-        <p:spPr/>
-        <p:txBody>
-          <a:bodyPr/>
-          <a:lstStyle/>
-          <a:p>
-            <a:r>
-              <a:rPr lang="en-US" dirty="0">
-                <a:solidFill>
-                  <a:srgbClr val="0070C0"/>
-                </a:solidFill>
-                <a:ea typeface="Calibri Light"/>
-                <a:cs typeface="Calibri Light"/>
-              </a:rPr>
-              <a:t>Outline</a:t>
-            </a:r>
-            <a:endParaRPr lang="en-US">
-              <a:solidFill>
-                <a:srgbClr val="0070C0"/>
-              </a:solidFill>
-              <a:ea typeface="Calibri Light"/>
-              <a:cs typeface="Calibri Light"/>
-            </a:endParaRPr>
-          </a:p>
-        </p:txBody>
-      </p:sp>
-      <p:sp>
-        <p:nvSpPr>
-          <p:cNvPr id="3" name="Content Placeholder 2">
-            <a:extLst>
-              <a:ext uri="{FF2B5EF4-FFF2-40B4-BE49-F238E27FC236}">
-                <a16:creationId xmlns:a16="http://schemas.microsoft.com/office/drawing/2014/main" id="{0F80D594-86CE-1ED4-994C-042A2971ED94}"/>
-              </a:ext>
-            </a:extLst>
-          </p:cNvPr>
-          <p:cNvSpPr>
-            <a:spLocks noGrp="1"/>
-          </p:cNvSpPr>
-          <p:nvPr>
-            <p:ph idx="1"/>
-          </p:nvPr>
-        </p:nvSpPr>
-        <p:spPr/>
-        <p:txBody>
-          <a:bodyPr vert="horz" lIns="91440" tIns="45720" rIns="91440" bIns="45720" rtlCol="0" anchor="t">
-            <a:normAutofit/>
-          </a:bodyPr>
-          <a:lstStyle/>
-          <a:p>
-            <a:pPr marL="0" indent="0">
-              <a:buNone/>
-            </a:pPr>
-            <a:endParaRPr lang="en-US" dirty="0">
-              <a:ea typeface="Calibri" panose="020F0502020204030204"/>
-              <a:cs typeface="Calibri" panose="020F0502020204030204"/>
-            </a:endParaRPr>
-          </a:p>
-          <a:p>
-            <a:pPr marL="0" indent="0">
-              <a:buNone/>
-            </a:pPr>
-            <a:r>
-              <a:rPr lang="en-US" dirty="0">
-                <a:ea typeface="Calibri" panose="020F0502020204030204"/>
-                <a:cs typeface="Calibri" panose="020F0502020204030204"/>
-              </a:rPr>
-              <a:t>Rotation</a:t>
-            </a:r>
-          </a:p>
-          <a:p>
-            <a:pPr marL="0" indent="0">
-              <a:buNone/>
-            </a:pPr>
-            <a:endParaRPr lang="en-US" dirty="0">
-              <a:ea typeface="Calibri" panose="020F0502020204030204"/>
-              <a:cs typeface="Calibri" panose="020F0502020204030204"/>
-            </a:endParaRPr>
-          </a:p>
-          <a:p>
-            <a:pPr marL="0" indent="0">
-              <a:buNone/>
-            </a:pPr>
-            <a:r>
-              <a:rPr lang="en-US" dirty="0">
-                <a:ea typeface="Calibri" panose="020F0502020204030204"/>
-                <a:cs typeface="Calibri" panose="020F0502020204030204"/>
-              </a:rPr>
-              <a:t>Boolean operations between objects</a:t>
-            </a:r>
-          </a:p>
-        </p:txBody>
-      </p:sp>
-    </p:spTree>
-    <p:extLst>
-      <p:ext uri="{BB962C8B-B14F-4D97-AF65-F5344CB8AC3E}">
-        <p14:creationId xmlns:p14="http://schemas.microsoft.com/office/powerpoint/2010/main" val="1169712265"/>
-      </p:ext>
-    </p:extLst>
-  </p:cSld>
-  <p:clrMapOvr>
-    <a:masterClrMapping/>
-  </p:clrMapOvr>
-</p:sld>
-</file>
-
 <file path=ppt/slides/slide4.xml><?xml version="1.0" encoding="utf-8"?>
 <p:sld xmlns:a="http://schemas.openxmlformats.org/drawingml/2006/main" xmlns:r="http://schemas.openxmlformats.org/officeDocument/2006/relationships" xmlns:p="http://schemas.openxmlformats.org/presentationml/2006/main">
   <p:cSld>
@@ -6176,6 +7600,143 @@
           <p:cNvPr id="2" name="Title 1">
             <a:extLst>
               <a:ext uri="{FF2B5EF4-FFF2-40B4-BE49-F238E27FC236}">
+                <a16:creationId xmlns:a16="http://schemas.microsoft.com/office/drawing/2014/main" id="{D0A32E1B-304C-70CA-4FE2-121036B45BBD}"/>
+              </a:ext>
+            </a:extLst>
+          </p:cNvPr>
+          <p:cNvSpPr>
+            <a:spLocks noGrp="1"/>
+          </p:cNvSpPr>
+          <p:nvPr>
+            <p:ph type="title"/>
+          </p:nvPr>
+        </p:nvSpPr>
+        <p:spPr/>
+        <p:txBody>
+          <a:bodyPr/>
+          <a:lstStyle/>
+          <a:p>
+            <a:r>
+              <a:rPr lang="en-US" dirty="0">
+                <a:solidFill>
+                  <a:srgbClr val="0070C0"/>
+                </a:solidFill>
+                <a:ea typeface="Calibri Light"/>
+                <a:cs typeface="Calibri Light"/>
+              </a:rPr>
+              <a:t>Outline</a:t>
+            </a:r>
+            <a:endParaRPr lang="en-US">
+              <a:solidFill>
+                <a:srgbClr val="0070C0"/>
+              </a:solidFill>
+              <a:ea typeface="Calibri Light"/>
+              <a:cs typeface="Calibri Light"/>
+            </a:endParaRPr>
+          </a:p>
+        </p:txBody>
+      </p:sp>
+      <p:sp>
+        <p:nvSpPr>
+          <p:cNvPr id="3" name="Content Placeholder 2">
+            <a:extLst>
+              <a:ext uri="{FF2B5EF4-FFF2-40B4-BE49-F238E27FC236}">
+                <a16:creationId xmlns:a16="http://schemas.microsoft.com/office/drawing/2014/main" id="{0F80D594-86CE-1ED4-994C-042A2971ED94}"/>
+              </a:ext>
+            </a:extLst>
+          </p:cNvPr>
+          <p:cNvSpPr>
+            <a:spLocks noGrp="1"/>
+          </p:cNvSpPr>
+          <p:nvPr>
+            <p:ph idx="1"/>
+          </p:nvPr>
+        </p:nvSpPr>
+        <p:spPr/>
+        <p:txBody>
+          <a:bodyPr vert="horz" lIns="91440" tIns="45720" rIns="91440" bIns="45720" rtlCol="0" anchor="t">
+            <a:normAutofit/>
+          </a:bodyPr>
+          <a:lstStyle/>
+          <a:p>
+            <a:pPr marL="0" indent="0">
+              <a:buNone/>
+            </a:pPr>
+            <a:endParaRPr lang="en-US" dirty="0">
+              <a:ea typeface="Calibri" panose="020F0502020204030204"/>
+              <a:cs typeface="Calibri" panose="020F0502020204030204"/>
+            </a:endParaRPr>
+          </a:p>
+          <a:p>
+            <a:pPr marL="0" indent="0">
+              <a:buNone/>
+            </a:pPr>
+            <a:r>
+              <a:rPr lang="en-US" dirty="0">
+                <a:ea typeface="Calibri" panose="020F0502020204030204"/>
+                <a:cs typeface="Calibri" panose="020F0502020204030204"/>
+              </a:rPr>
+              <a:t>Rotation</a:t>
+            </a:r>
+          </a:p>
+          <a:p>
+            <a:pPr marL="0" indent="0">
+              <a:buNone/>
+            </a:pPr>
+            <a:endParaRPr lang="en-US" dirty="0">
+              <a:ea typeface="Calibri" panose="020F0502020204030204"/>
+              <a:cs typeface="Calibri" panose="020F0502020204030204"/>
+            </a:endParaRPr>
+          </a:p>
+          <a:p>
+            <a:pPr marL="0" indent="0">
+              <a:buNone/>
+            </a:pPr>
+            <a:r>
+              <a:rPr lang="en-US" dirty="0">
+                <a:ea typeface="Calibri" panose="020F0502020204030204"/>
+                <a:cs typeface="Calibri" panose="020F0502020204030204"/>
+              </a:rPr>
+              <a:t>Boolean operations between objects</a:t>
+            </a:r>
+          </a:p>
+        </p:txBody>
+      </p:sp>
+    </p:spTree>
+    <p:extLst>
+      <p:ext uri="{BB962C8B-B14F-4D97-AF65-F5344CB8AC3E}">
+        <p14:creationId xmlns:p14="http://schemas.microsoft.com/office/powerpoint/2010/main" val="1169712265"/>
+      </p:ext>
+    </p:extLst>
+  </p:cSld>
+  <p:clrMapOvr>
+    <a:masterClrMapping/>
+  </p:clrMapOvr>
+</p:sld>
+</file>
+
+<file path=ppt/slides/slide5.xml><?xml version="1.0" encoding="utf-8"?>
+<p:sld xmlns:a="http://schemas.openxmlformats.org/drawingml/2006/main" xmlns:r="http://schemas.openxmlformats.org/officeDocument/2006/relationships" xmlns:p="http://schemas.openxmlformats.org/presentationml/2006/main">
+  <p:cSld>
+    <p:spTree>
+      <p:nvGrpSpPr>
+        <p:cNvPr id="1" name=""/>
+        <p:cNvGrpSpPr/>
+        <p:nvPr/>
+      </p:nvGrpSpPr>
+      <p:grpSpPr>
+        <a:xfrm>
+          <a:off x="0" y="0"/>
+          <a:ext cx="0" cy="0"/>
+          <a:chOff x="0" y="0"/>
+          <a:chExt cx="0" cy="0"/>
+        </a:xfrm>
+      </p:grpSpPr>
+      <p:sp>
+        <p:nvSpPr>
+          <p:cNvPr id="2" name="Title 1">
+            <a:extLst>
+              <a:ext uri="{FF2B5EF4-FFF2-40B4-BE49-F238E27FC236}">
                 <a16:creationId xmlns:a16="http://schemas.microsoft.com/office/drawing/2014/main" id="{2E3AF7C0-61C7-630C-2CFE-867FCA196582}"/>
               </a:ext>
             </a:extLst>
@@ -6403,7 +7964,7 @@
 </p:sld>
 </file>
 
-<file path=ppt/slides/slide5.xml><?xml version="1.0" encoding="utf-8"?>
+<file path=ppt/slides/slide6.xml><?xml version="1.0" encoding="utf-8"?>
 <p:sld xmlns:a="http://schemas.openxmlformats.org/drawingml/2006/main" xmlns:r="http://schemas.openxmlformats.org/officeDocument/2006/relationships" xmlns:p="http://schemas.openxmlformats.org/presentationml/2006/main">
   <p:cSld>
     <p:spTree>
@@ -7239,7 +8800,7 @@
 </p:sld>
 </file>
 
-<file path=ppt/slides/slide6.xml><?xml version="1.0" encoding="utf-8"?>
+<file path=ppt/slides/slide7.xml><?xml version="1.0" encoding="utf-8"?>
 <p:sld xmlns:a="http://schemas.openxmlformats.org/drawingml/2006/main" xmlns:r="http://schemas.openxmlformats.org/officeDocument/2006/relationships" xmlns:p="http://schemas.openxmlformats.org/presentationml/2006/main">
   <p:cSld>
     <p:spTree>
@@ -7892,13 +9453,13 @@
           <p:nvPr/>
         </p:nvPicPr>
         <p:blipFill>
-          <a:blip r:embed="rId5">
+          <a:blip r:embed="rId4">
             <a:extLst>
               <a:ext uri="{28A0092B-C50C-407E-A947-70E740481C1C}">
                 <a14:useLocalDpi xmlns:a14="http://schemas.microsoft.com/office/drawing/2010/main" val="0"/>
               </a:ext>
               <a:ext uri="{96DAC541-7B7A-43D3-8B79-37D633B846F1}">
-                <asvg:svgBlip xmlns:asvg="http://schemas.microsoft.com/office/drawing/2016/SVG/main" r:embed="rId6"/>
+                <asvg:svgBlip xmlns:asvg="http://schemas.microsoft.com/office/drawing/2016/SVG/main" r:embed="rId5"/>
               </a:ext>
             </a:extLst>
           </a:blip>
@@ -7929,7 +9490,7 @@
 </p:sld>
 </file>
 
-<file path=ppt/slides/slide7.xml><?xml version="1.0" encoding="utf-8"?>
+<file path=ppt/slides/slide8.xml><?xml version="1.0" encoding="utf-8"?>
 <p:sld xmlns:a="http://schemas.openxmlformats.org/drawingml/2006/main" xmlns:r="http://schemas.openxmlformats.org/officeDocument/2006/relationships" xmlns:p="http://schemas.openxmlformats.org/presentationml/2006/main">
   <p:cSld>
     <p:spTree>
@@ -8216,7 +9777,7 @@
 </p:sld>
 </file>
 
-<file path=ppt/slides/slide8.xml><?xml version="1.0" encoding="utf-8"?>
+<file path=ppt/slides/slide9.xml><?xml version="1.0" encoding="utf-8"?>
 <p:sld xmlns:a="http://schemas.openxmlformats.org/drawingml/2006/main" xmlns:r="http://schemas.openxmlformats.org/officeDocument/2006/relationships" xmlns:p="http://schemas.openxmlformats.org/presentationml/2006/main">
   <p:cSld>
     <p:spTree>
@@ -8335,217 +9896,6 @@
     <p:extLst>
       <p:ext uri="{BB962C8B-B14F-4D97-AF65-F5344CB8AC3E}">
         <p14:creationId xmlns:p14="http://schemas.microsoft.com/office/powerpoint/2010/main" val="764911337"/>
-      </p:ext>
-    </p:extLst>
-  </p:cSld>
-  <p:clrMapOvr>
-    <a:masterClrMapping/>
-  </p:clrMapOvr>
-</p:sld>
-</file>
-
-<file path=ppt/slides/slide9.xml><?xml version="1.0" encoding="utf-8"?>
-<p:sld xmlns:a="http://schemas.openxmlformats.org/drawingml/2006/main" xmlns:r="http://schemas.openxmlformats.org/officeDocument/2006/relationships" xmlns:p="http://schemas.openxmlformats.org/presentationml/2006/main">
-  <p:cSld>
-    <p:spTree>
-      <p:nvGrpSpPr>
-        <p:cNvPr id="1" name=""/>
-        <p:cNvGrpSpPr/>
-        <p:nvPr/>
-      </p:nvGrpSpPr>
-      <p:grpSpPr>
-        <a:xfrm>
-          <a:off x="0" y="0"/>
-          <a:ext cx="0" cy="0"/>
-          <a:chOff x="0" y="0"/>
-          <a:chExt cx="0" cy="0"/>
-        </a:xfrm>
-      </p:grpSpPr>
-      <p:sp>
-        <p:nvSpPr>
-          <p:cNvPr id="2" name="Title 1">
-            <a:extLst>
-              <a:ext uri="{FF2B5EF4-FFF2-40B4-BE49-F238E27FC236}">
-                <a16:creationId xmlns:a16="http://schemas.microsoft.com/office/drawing/2014/main" id="{BF683C0E-F1D1-D452-BFA8-E610F142133D}"/>
-              </a:ext>
-            </a:extLst>
-          </p:cNvPr>
-          <p:cNvSpPr>
-            <a:spLocks noGrp="1"/>
-          </p:cNvSpPr>
-          <p:nvPr>
-            <p:ph type="title"/>
-          </p:nvPr>
-        </p:nvSpPr>
-        <p:spPr/>
-        <p:txBody>
-          <a:bodyPr/>
-          <a:lstStyle/>
-          <a:p>
-            <a:r>
-              <a:rPr lang="en-US" dirty="0"/>
-              <a:t>Basic animation</a:t>
-            </a:r>
-          </a:p>
-        </p:txBody>
-      </p:sp>
-      <p:sp>
-        <p:nvSpPr>
-          <p:cNvPr id="3" name="Content Placeholder 2">
-            <a:extLst>
-              <a:ext uri="{FF2B5EF4-FFF2-40B4-BE49-F238E27FC236}">
-                <a16:creationId xmlns:a16="http://schemas.microsoft.com/office/drawing/2014/main" id="{46C64423-B4D1-72CD-ECD8-65DCC4821DFC}"/>
-              </a:ext>
-            </a:extLst>
-          </p:cNvPr>
-          <p:cNvSpPr>
-            <a:spLocks noGrp="1"/>
-          </p:cNvSpPr>
-          <p:nvPr>
-            <p:ph idx="1"/>
-          </p:nvPr>
-        </p:nvSpPr>
-        <p:spPr/>
-        <p:txBody>
-          <a:bodyPr>
-            <a:normAutofit fontScale="92500" lnSpcReduction="10000"/>
-          </a:bodyPr>
-          <a:lstStyle/>
-          <a:p>
-            <a:pPr marL="0" indent="0">
-              <a:buNone/>
-            </a:pPr>
-            <a:r>
-              <a:rPr lang="en-US" dirty="0"/>
-              <a:t>&lt;a-box  id="PGB box" position="0 2 -2.5" rotation="45 45 45" 		color="green"</a:t>
-            </a:r>
-          </a:p>
-          <a:p>
-            <a:pPr marL="0" indent="0">
-              <a:buNone/>
-            </a:pPr>
-            <a:r>
-              <a:rPr lang="en-US" dirty="0"/>
-              <a:t>	animation=   </a:t>
-            </a:r>
-            <a:r>
-              <a:rPr lang="en-US" dirty="0">
-                <a:solidFill>
-                  <a:srgbClr val="0070C0"/>
-                </a:solidFill>
-              </a:rPr>
-              <a:t>“property: rotation; </a:t>
-            </a:r>
-          </a:p>
-          <a:p>
-            <a:pPr marL="0" indent="0">
-              <a:buNone/>
-            </a:pPr>
-            <a:r>
-              <a:rPr lang="en-US" dirty="0">
-                <a:solidFill>
-                  <a:srgbClr val="0070C0"/>
-                </a:solidFill>
-              </a:rPr>
-              <a:t>			dur: 10000; </a:t>
-            </a:r>
-          </a:p>
-          <a:p>
-            <a:pPr marL="0" indent="0">
-              <a:buNone/>
-            </a:pPr>
-            <a:r>
-              <a:rPr lang="en-US" dirty="0">
-                <a:solidFill>
-                  <a:srgbClr val="0070C0"/>
-                </a:solidFill>
-              </a:rPr>
-              <a:t>			from: 0 0 0; </a:t>
-            </a:r>
-          </a:p>
-          <a:p>
-            <a:pPr marL="0" indent="0">
-              <a:buNone/>
-            </a:pPr>
-            <a:r>
-              <a:rPr lang="en-US" dirty="0">
-                <a:solidFill>
-                  <a:srgbClr val="0070C0"/>
-                </a:solidFill>
-              </a:rPr>
-              <a:t>			to: 0 360 0; </a:t>
-            </a:r>
-          </a:p>
-          <a:p>
-            <a:pPr marL="0" indent="0">
-              <a:buNone/>
-            </a:pPr>
-            <a:r>
-              <a:rPr lang="en-US" dirty="0">
-                <a:solidFill>
-                  <a:srgbClr val="0070C0"/>
-                </a:solidFill>
-              </a:rPr>
-              <a:t>			</a:t>
-            </a:r>
-            <a:r>
-              <a:rPr lang="en-US" dirty="0" err="1">
-                <a:solidFill>
-                  <a:srgbClr val="0070C0"/>
-                </a:solidFill>
-              </a:rPr>
-              <a:t>dir</a:t>
-            </a:r>
-            <a:r>
-              <a:rPr lang="en-US" dirty="0">
-                <a:solidFill>
-                  <a:srgbClr val="0070C0"/>
-                </a:solidFill>
-              </a:rPr>
-              <a:t>: normal; </a:t>
-            </a:r>
-          </a:p>
-          <a:p>
-            <a:pPr marL="0" indent="0">
-              <a:buNone/>
-            </a:pPr>
-            <a:r>
-              <a:rPr lang="en-US" dirty="0">
-                <a:solidFill>
-                  <a:srgbClr val="0070C0"/>
-                </a:solidFill>
-              </a:rPr>
-              <a:t>			easing: linear; </a:t>
-            </a:r>
-          </a:p>
-          <a:p>
-            <a:pPr marL="0" indent="0">
-              <a:buNone/>
-            </a:pPr>
-            <a:r>
-              <a:rPr lang="en-US" dirty="0">
-                <a:solidFill>
-                  <a:srgbClr val="0070C0"/>
-                </a:solidFill>
-              </a:rPr>
-              <a:t>			loop: true;”</a:t>
-            </a:r>
-          </a:p>
-          <a:p>
-            <a:pPr marL="0" indent="0">
-              <a:buNone/>
-            </a:pPr>
-            <a:r>
-              <a:rPr lang="en-US" dirty="0"/>
-              <a:t>	  &gt;&lt;/a-box&gt;</a:t>
-            </a:r>
-          </a:p>
-        </p:txBody>
-      </p:sp>
-    </p:spTree>
-    <p:extLst>
-      <p:ext uri="{BB962C8B-B14F-4D97-AF65-F5344CB8AC3E}">
-        <p14:creationId xmlns:p14="http://schemas.microsoft.com/office/powerpoint/2010/main" val="4149205924"/>
       </p:ext>
     </p:extLst>
   </p:cSld>
